--- a/coursework/Diagrams/Architectural-Diagrams/Architectural-Diagram-0.8.pptx
+++ b/coursework/Diagrams/Architectural-Diagrams/Architectural-Diagram-0.8.pptx
@@ -110,6 +110,11 @@
       </a:defRPr>
     </a:lvl9pPr>
   </p:defaultTextStyle>
+  <p:extLst>
+    <p:ext uri="{EFAFB233-063F-42B5-8137-9DF3F51BA10A}">
+      <p15:sldGuideLst xmlns:p15="http://schemas.microsoft.com/office/powerpoint/2012/main"/>
+    </p:ext>
+  </p:extLst>
 </p:presentation>
 </file>
 
@@ -1014,11 +1019,11 @@
   <p:clrMapOvr>
     <a:masterClrMapping/>
   </p:clrMapOvr>
-  <mc:AlternateContent xmlns:mc="http://schemas.openxmlformats.org/markup-compatibility/2006">
-    <mc:Choice xmlns:p14="http://schemas.microsoft.com/office/powerpoint/2010/main" Requires="p14">
+  <mc:AlternateContent xmlns:mc="http://schemas.openxmlformats.org/markup-compatibility/2006" xmlns:p14="http://schemas.microsoft.com/office/powerpoint/2010/main">
+    <mc:Choice Requires="p14">
       <p:transition spd="slow" p14:dur="2000"/>
     </mc:Choice>
-    <mc:Fallback>
+    <mc:Fallback xmlns="">
       <p:transition spd="slow"/>
     </mc:Fallback>
   </mc:AlternateContent>
@@ -1190,11 +1195,11 @@
   <p:clrMapOvr>
     <a:masterClrMapping/>
   </p:clrMapOvr>
-  <mc:AlternateContent xmlns:mc="http://schemas.openxmlformats.org/markup-compatibility/2006">
-    <mc:Choice xmlns:p14="http://schemas.microsoft.com/office/powerpoint/2010/main" Requires="p14">
+  <mc:AlternateContent xmlns:mc="http://schemas.openxmlformats.org/markup-compatibility/2006" xmlns:p14="http://schemas.microsoft.com/office/powerpoint/2010/main">
+    <mc:Choice Requires="p14">
       <p:transition spd="slow" p14:dur="2000"/>
     </mc:Choice>
-    <mc:Fallback>
+    <mc:Fallback xmlns="">
       <p:transition spd="slow"/>
     </mc:Fallback>
   </mc:AlternateContent>
@@ -1376,11 +1381,11 @@
   <p:clrMapOvr>
     <a:masterClrMapping/>
   </p:clrMapOvr>
-  <mc:AlternateContent xmlns:mc="http://schemas.openxmlformats.org/markup-compatibility/2006">
-    <mc:Choice xmlns:p14="http://schemas.microsoft.com/office/powerpoint/2010/main" Requires="p14">
+  <mc:AlternateContent xmlns:mc="http://schemas.openxmlformats.org/markup-compatibility/2006" xmlns:p14="http://schemas.microsoft.com/office/powerpoint/2010/main">
+    <mc:Choice Requires="p14">
       <p:transition spd="slow" p14:dur="2000"/>
     </mc:Choice>
-    <mc:Fallback>
+    <mc:Fallback xmlns="">
       <p:transition spd="slow"/>
     </mc:Fallback>
   </mc:AlternateContent>
@@ -1552,11 +1557,11 @@
   <p:clrMapOvr>
     <a:masterClrMapping/>
   </p:clrMapOvr>
-  <mc:AlternateContent xmlns:mc="http://schemas.openxmlformats.org/markup-compatibility/2006">
-    <mc:Choice xmlns:p14="http://schemas.microsoft.com/office/powerpoint/2010/main" Requires="p14">
+  <mc:AlternateContent xmlns:mc="http://schemas.openxmlformats.org/markup-compatibility/2006" xmlns:p14="http://schemas.microsoft.com/office/powerpoint/2010/main">
+    <mc:Choice Requires="p14">
       <p:transition spd="slow" p14:dur="2000"/>
     </mc:Choice>
-    <mc:Fallback>
+    <mc:Fallback xmlns="">
       <p:transition spd="slow"/>
     </mc:Fallback>
   </mc:AlternateContent>
@@ -1804,11 +1809,11 @@
   <p:clrMapOvr>
     <a:masterClrMapping/>
   </p:clrMapOvr>
-  <mc:AlternateContent xmlns:mc="http://schemas.openxmlformats.org/markup-compatibility/2006">
-    <mc:Choice xmlns:p14="http://schemas.microsoft.com/office/powerpoint/2010/main" Requires="p14">
+  <mc:AlternateContent xmlns:mc="http://schemas.openxmlformats.org/markup-compatibility/2006" xmlns:p14="http://schemas.microsoft.com/office/powerpoint/2010/main">
+    <mc:Choice Requires="p14">
       <p:transition spd="slow" p14:dur="2000"/>
     </mc:Choice>
-    <mc:Fallback>
+    <mc:Fallback xmlns="">
       <p:transition spd="slow"/>
     </mc:Fallback>
   </mc:AlternateContent>
@@ -2042,11 +2047,11 @@
   <p:clrMapOvr>
     <a:masterClrMapping/>
   </p:clrMapOvr>
-  <mc:AlternateContent xmlns:mc="http://schemas.openxmlformats.org/markup-compatibility/2006">
-    <mc:Choice xmlns:p14="http://schemas.microsoft.com/office/powerpoint/2010/main" Requires="p14">
+  <mc:AlternateContent xmlns:mc="http://schemas.openxmlformats.org/markup-compatibility/2006" xmlns:p14="http://schemas.microsoft.com/office/powerpoint/2010/main">
+    <mc:Choice Requires="p14">
       <p:transition spd="slow" p14:dur="2000"/>
     </mc:Choice>
-    <mc:Fallback>
+    <mc:Fallback xmlns="">
       <p:transition spd="slow"/>
     </mc:Fallback>
   </mc:AlternateContent>
@@ -2415,11 +2420,11 @@
   <p:clrMapOvr>
     <a:masterClrMapping/>
   </p:clrMapOvr>
-  <mc:AlternateContent xmlns:mc="http://schemas.openxmlformats.org/markup-compatibility/2006">
-    <mc:Choice xmlns:p14="http://schemas.microsoft.com/office/powerpoint/2010/main" Requires="p14">
+  <mc:AlternateContent xmlns:mc="http://schemas.openxmlformats.org/markup-compatibility/2006" xmlns:p14="http://schemas.microsoft.com/office/powerpoint/2010/main">
+    <mc:Choice Requires="p14">
       <p:transition spd="slow" p14:dur="2000"/>
     </mc:Choice>
-    <mc:Fallback>
+    <mc:Fallback xmlns="">
       <p:transition spd="slow"/>
     </mc:Fallback>
   </mc:AlternateContent>
@@ -2539,11 +2544,11 @@
   <p:clrMapOvr>
     <a:masterClrMapping/>
   </p:clrMapOvr>
-  <mc:AlternateContent xmlns:mc="http://schemas.openxmlformats.org/markup-compatibility/2006">
-    <mc:Choice xmlns:p14="http://schemas.microsoft.com/office/powerpoint/2010/main" Requires="p14">
+  <mc:AlternateContent xmlns:mc="http://schemas.openxmlformats.org/markup-compatibility/2006" xmlns:p14="http://schemas.microsoft.com/office/powerpoint/2010/main">
+    <mc:Choice Requires="p14">
       <p:transition spd="slow" p14:dur="2000"/>
     </mc:Choice>
-    <mc:Fallback>
+    <mc:Fallback xmlns="">
       <p:transition spd="slow"/>
     </mc:Fallback>
   </mc:AlternateContent>
@@ -2640,11 +2645,11 @@
   <p:clrMapOvr>
     <a:masterClrMapping/>
   </p:clrMapOvr>
-  <mc:AlternateContent xmlns:mc="http://schemas.openxmlformats.org/markup-compatibility/2006">
-    <mc:Choice xmlns:p14="http://schemas.microsoft.com/office/powerpoint/2010/main" Requires="p14">
+  <mc:AlternateContent xmlns:mc="http://schemas.openxmlformats.org/markup-compatibility/2006" xmlns:p14="http://schemas.microsoft.com/office/powerpoint/2010/main">
+    <mc:Choice Requires="p14">
       <p:transition spd="slow" p14:dur="2000"/>
     </mc:Choice>
-    <mc:Fallback>
+    <mc:Fallback xmlns="">
       <p:transition spd="slow"/>
     </mc:Fallback>
   </mc:AlternateContent>
@@ -2924,11 +2929,11 @@
   <p:clrMapOvr>
     <a:masterClrMapping/>
   </p:clrMapOvr>
-  <mc:AlternateContent xmlns:mc="http://schemas.openxmlformats.org/markup-compatibility/2006">
-    <mc:Choice xmlns:p14="http://schemas.microsoft.com/office/powerpoint/2010/main" Requires="p14">
+  <mc:AlternateContent xmlns:mc="http://schemas.openxmlformats.org/markup-compatibility/2006" xmlns:p14="http://schemas.microsoft.com/office/powerpoint/2010/main">
+    <mc:Choice Requires="p14">
       <p:transition spd="slow" p14:dur="2000"/>
     </mc:Choice>
-    <mc:Fallback>
+    <mc:Fallback xmlns="">
       <p:transition spd="slow"/>
     </mc:Fallback>
   </mc:AlternateContent>
@@ -3183,11 +3188,11 @@
   <p:clrMapOvr>
     <a:masterClrMapping/>
   </p:clrMapOvr>
-  <mc:AlternateContent xmlns:mc="http://schemas.openxmlformats.org/markup-compatibility/2006">
-    <mc:Choice xmlns:p14="http://schemas.microsoft.com/office/powerpoint/2010/main" Requires="p14">
+  <mc:AlternateContent xmlns:mc="http://schemas.openxmlformats.org/markup-compatibility/2006" xmlns:p14="http://schemas.microsoft.com/office/powerpoint/2010/main">
+    <mc:Choice Requires="p14">
       <p:transition spd="slow" p14:dur="2000"/>
     </mc:Choice>
-    <mc:Fallback>
+    <mc:Fallback xmlns="">
       <p:transition spd="slow"/>
     </mc:Fallback>
   </mc:AlternateContent>
@@ -3465,11 +3470,11 @@
     <p:sldLayoutId id="2147483658" r:id="rId10"/>
     <p:sldLayoutId id="2147483659" r:id="rId11"/>
   </p:sldLayoutIdLst>
-  <mc:AlternateContent xmlns:mc="http://schemas.openxmlformats.org/markup-compatibility/2006">
-    <mc:Choice xmlns:p14="http://schemas.microsoft.com/office/powerpoint/2010/main" Requires="p14">
+  <mc:AlternateContent xmlns:mc="http://schemas.openxmlformats.org/markup-compatibility/2006" xmlns:p14="http://schemas.microsoft.com/office/powerpoint/2010/main">
+    <mc:Choice Requires="p14">
       <p:transition spd="slow" p14:dur="2000"/>
     </mc:Choice>
-    <mc:Fallback>
+    <mc:Fallback xmlns="">
       <p:transition spd="slow"/>
     </mc:Fallback>
   </mc:AlternateContent>
@@ -3748,6 +3753,41 @@
 <file path=ppt/slides/slide1.xml><?xml version="1.0" encoding="utf-8"?>
 <p:sld xmlns:a="http://schemas.openxmlformats.org/drawingml/2006/main" xmlns:r="http://schemas.openxmlformats.org/officeDocument/2006/relationships" xmlns:p="http://schemas.openxmlformats.org/presentationml/2006/main">
   <p:cSld name="page1">
+    <p:bg>
+      <p:bgPr>
+        <a:gradFill flip="none" rotWithShape="1">
+          <a:gsLst>
+            <a:gs pos="0">
+              <a:schemeClr val="accent5">
+                <a:lumMod val="5000"/>
+                <a:lumOff val="95000"/>
+              </a:schemeClr>
+            </a:gs>
+            <a:gs pos="74000">
+              <a:schemeClr val="accent5">
+                <a:lumMod val="45000"/>
+                <a:lumOff val="55000"/>
+              </a:schemeClr>
+            </a:gs>
+            <a:gs pos="83000">
+              <a:schemeClr val="accent5">
+                <a:lumMod val="45000"/>
+                <a:lumOff val="55000"/>
+              </a:schemeClr>
+            </a:gs>
+            <a:gs pos="100000">
+              <a:schemeClr val="accent5">
+                <a:lumMod val="30000"/>
+                <a:lumOff val="70000"/>
+              </a:schemeClr>
+            </a:gs>
+          </a:gsLst>
+          <a:lin ang="5400000" scaled="1"/>
+          <a:tileRect/>
+        </a:gradFill>
+        <a:effectLst/>
+      </p:bgPr>
+    </p:bg>
     <p:spTree>
       <p:nvGrpSpPr>
         <p:cNvPr id="1" name=""/>
@@ -3770,7 +3810,7 @@
         </p:nvSpPr>
         <p:spPr>
           <a:xfrm>
-            <a:off x="7920000" y="144000"/>
+            <a:off x="7920000" y="1648950"/>
             <a:ext cx="2015999" cy="288000"/>
           </a:xfrm>
           <a:custGeom>
@@ -3867,7 +3907,7 @@
         </p:nvSpPr>
         <p:spPr>
           <a:xfrm>
-            <a:off x="7920000" y="1728000"/>
+            <a:off x="7920000" y="2823375"/>
             <a:ext cx="2015999" cy="288000"/>
           </a:xfrm>
           <a:custGeom>
@@ -4061,7 +4101,7 @@
         </p:nvSpPr>
         <p:spPr>
           <a:xfrm>
-            <a:off x="432000" y="701773"/>
+            <a:off x="432000" y="2016223"/>
             <a:ext cx="900000" cy="432000"/>
           </a:xfrm>
           <a:custGeom>
@@ -4167,7 +4207,7 @@
         </p:nvSpPr>
         <p:spPr>
           <a:xfrm>
-            <a:off x="1948928" y="701773"/>
+            <a:off x="1948928" y="2016223"/>
             <a:ext cx="900000" cy="432000"/>
           </a:xfrm>
           <a:custGeom>
@@ -4273,7 +4313,7 @@
         </p:nvSpPr>
         <p:spPr>
           <a:xfrm>
-            <a:off x="4982784" y="701773"/>
+            <a:off x="4982784" y="2016223"/>
             <a:ext cx="1116000" cy="432000"/>
           </a:xfrm>
           <a:custGeom>
@@ -4379,7 +4419,7 @@
         </p:nvSpPr>
         <p:spPr>
           <a:xfrm>
-            <a:off x="6715711" y="701773"/>
+            <a:off x="6715711" y="2016223"/>
             <a:ext cx="1007999" cy="432000"/>
           </a:xfrm>
           <a:custGeom>
@@ -4485,7 +4525,7 @@
         </p:nvSpPr>
         <p:spPr>
           <a:xfrm>
-            <a:off x="288000" y="1655999"/>
+            <a:off x="288000" y="2751374"/>
             <a:ext cx="9504000" cy="0"/>
           </a:xfrm>
           <a:prstGeom prst="line">
@@ -4585,7 +4625,7 @@
         </p:nvSpPr>
         <p:spPr>
           <a:xfrm>
-            <a:off x="3600000" y="2479347"/>
+            <a:off x="3600000" y="3269922"/>
             <a:ext cx="900000" cy="432000"/>
           </a:xfrm>
           <a:custGeom>
@@ -4691,7 +4731,7 @@
         </p:nvSpPr>
         <p:spPr>
           <a:xfrm>
-            <a:off x="5184000" y="2486250"/>
+            <a:off x="5184000" y="3276825"/>
             <a:ext cx="900000" cy="432000"/>
           </a:xfrm>
           <a:custGeom>
@@ -4797,7 +4837,7 @@
         </p:nvSpPr>
         <p:spPr>
           <a:xfrm>
-            <a:off x="6768000" y="2476047"/>
+            <a:off x="6768000" y="3266622"/>
             <a:ext cx="900000" cy="432000"/>
           </a:xfrm>
           <a:custGeom>
@@ -4903,7 +4943,7 @@
         </p:nvSpPr>
         <p:spPr>
           <a:xfrm>
-            <a:off x="252000" y="2486250"/>
+            <a:off x="252000" y="3276825"/>
             <a:ext cx="900000" cy="432000"/>
           </a:xfrm>
           <a:custGeom>
@@ -5438,7 +5478,7 @@
         </p:nvSpPr>
         <p:spPr>
           <a:xfrm>
-            <a:off x="1836000" y="2486250"/>
+            <a:off x="1836000" y="3276825"/>
             <a:ext cx="1080000" cy="432000"/>
           </a:xfrm>
           <a:custGeom>
@@ -5785,6 +5825,1123 @@
       </p:sp>
       <p:sp>
         <p:nvSpPr>
+          <p:cNvPr id="58" name="Freeform 57"/>
+          <p:cNvSpPr/>
+          <p:nvPr/>
+        </p:nvSpPr>
+        <p:spPr>
+          <a:xfrm>
+            <a:off x="3465856" y="2016223"/>
+            <a:ext cx="900000" cy="432000"/>
+          </a:xfrm>
+          <a:custGeom>
+            <a:avLst/>
+            <a:gdLst>
+              <a:gd name="f0" fmla="val 0"/>
+              <a:gd name="f1" fmla="val 21600"/>
+            </a:gdLst>
+            <a:ahLst/>
+            <a:cxnLst>
+              <a:cxn ang="3cd4">
+                <a:pos x="hc" y="t"/>
+              </a:cxn>
+              <a:cxn ang="0">
+                <a:pos x="r" y="vc"/>
+              </a:cxn>
+              <a:cxn ang="cd4">
+                <a:pos x="hc" y="b"/>
+              </a:cxn>
+              <a:cxn ang="cd2">
+                <a:pos x="l" y="vc"/>
+              </a:cxn>
+            </a:cxnLst>
+            <a:rect l="l" t="t" r="r" b="b"/>
+            <a:pathLst>
+              <a:path w="21600" h="21600">
+                <a:moveTo>
+                  <a:pt x="f0" y="f0"/>
+                </a:moveTo>
+                <a:lnTo>
+                  <a:pt x="f1" y="f0"/>
+                </a:lnTo>
+                <a:lnTo>
+                  <a:pt x="f1" y="f1"/>
+                </a:lnTo>
+                <a:lnTo>
+                  <a:pt x="f0" y="f1"/>
+                </a:lnTo>
+                <a:lnTo>
+                  <a:pt x="f0" y="f0"/>
+                </a:lnTo>
+                <a:close/>
+              </a:path>
+            </a:pathLst>
+          </a:custGeom>
+          <a:solidFill>
+            <a:srgbClr val="FFFFFF"/>
+          </a:solidFill>
+          <a:ln w="0">
+            <a:solidFill>
+              <a:srgbClr val="3465A4"/>
+            </a:solidFill>
+            <a:prstDash val="solid"/>
+          </a:ln>
+        </p:spPr>
+        <p:txBody>
+          <a:bodyPr vert="horz" wrap="none" lIns="90000" tIns="45000" rIns="90000" bIns="45000" anchor="ctr" anchorCtr="0" compatLnSpc="0">
+            <a:noAutofit/>
+          </a:bodyPr>
+          <a:lstStyle/>
+          <a:p>
+            <a:pPr marL="0" marR="0" lvl="0" indent="0" algn="ctr" rtl="0" hangingPunct="0">
+              <a:lnSpc>
+                <a:spcPct val="100000"/>
+              </a:lnSpc>
+              <a:spcBef>
+                <a:spcPts val="0"/>
+              </a:spcBef>
+              <a:spcAft>
+                <a:spcPts val="0"/>
+              </a:spcAft>
+              <a:buNone/>
+              <a:tabLst/>
+              <a:defRPr sz="1200"/>
+            </a:pPr>
+            <a:r>
+              <a:rPr lang="en-GB" sz="1200" b="0" i="0" u="none" strike="noStrike" kern="1200" cap="none" dirty="0" smtClean="0">
+                <a:ln>
+                  <a:noFill/>
+                </a:ln>
+                <a:latin typeface="Liberation Sans" pitchFamily="18"/>
+                <a:ea typeface="Noto Sans CJK SC Regular" pitchFamily="2"/>
+                <a:cs typeface="FreeSans" pitchFamily="2"/>
+              </a:rPr>
+              <a:t>Home</a:t>
+            </a:r>
+            <a:endParaRPr lang="en-GB" sz="1200" b="0" i="0" u="none" strike="noStrike" kern="1200" cap="none" dirty="0">
+              <a:ln>
+                <a:noFill/>
+              </a:ln>
+              <a:latin typeface="Liberation Sans" pitchFamily="18"/>
+              <a:ea typeface="Noto Sans CJK SC Regular" pitchFamily="2"/>
+              <a:cs typeface="FreeSans" pitchFamily="2"/>
+            </a:endParaRPr>
+          </a:p>
+        </p:txBody>
+      </p:sp>
+      <p:sp>
+        <p:nvSpPr>
+          <p:cNvPr id="64" name="Freeform 63"/>
+          <p:cNvSpPr/>
+          <p:nvPr/>
+        </p:nvSpPr>
+        <p:spPr>
+          <a:xfrm>
+            <a:off x="4345704" y="4935150"/>
+            <a:ext cx="1296000" cy="432000"/>
+          </a:xfrm>
+          <a:custGeom>
+            <a:avLst/>
+            <a:gdLst>
+              <a:gd name="f0" fmla="val 0"/>
+              <a:gd name="f1" fmla="val 21600"/>
+            </a:gdLst>
+            <a:ahLst/>
+            <a:cxnLst>
+              <a:cxn ang="3cd4">
+                <a:pos x="hc" y="t"/>
+              </a:cxn>
+              <a:cxn ang="0">
+                <a:pos x="r" y="vc"/>
+              </a:cxn>
+              <a:cxn ang="cd4">
+                <a:pos x="hc" y="b"/>
+              </a:cxn>
+              <a:cxn ang="cd2">
+                <a:pos x="l" y="vc"/>
+              </a:cxn>
+            </a:cxnLst>
+            <a:rect l="l" t="t" r="r" b="b"/>
+            <a:pathLst>
+              <a:path w="21600" h="21600">
+                <a:moveTo>
+                  <a:pt x="f0" y="f0"/>
+                </a:moveTo>
+                <a:lnTo>
+                  <a:pt x="f1" y="f0"/>
+                </a:lnTo>
+                <a:lnTo>
+                  <a:pt x="f1" y="f1"/>
+                </a:lnTo>
+                <a:lnTo>
+                  <a:pt x="f0" y="f1"/>
+                </a:lnTo>
+                <a:lnTo>
+                  <a:pt x="f0" y="f0"/>
+                </a:lnTo>
+                <a:close/>
+              </a:path>
+            </a:pathLst>
+          </a:custGeom>
+          <a:solidFill>
+            <a:srgbClr val="FFFFFF"/>
+          </a:solidFill>
+          <a:ln w="0">
+            <a:solidFill>
+              <a:srgbClr val="3465A4"/>
+            </a:solidFill>
+            <a:prstDash val="solid"/>
+          </a:ln>
+        </p:spPr>
+        <p:txBody>
+          <a:bodyPr vert="horz" wrap="none" lIns="90000" tIns="45000" rIns="90000" bIns="45000" anchor="ctr" anchorCtr="0" compatLnSpc="0">
+            <a:noAutofit/>
+          </a:bodyPr>
+          <a:lstStyle/>
+          <a:p>
+            <a:pPr marL="0" marR="0" lvl="0" indent="0" algn="ctr" rtl="0" hangingPunct="0">
+              <a:lnSpc>
+                <a:spcPct val="100000"/>
+              </a:lnSpc>
+              <a:spcBef>
+                <a:spcPts val="0"/>
+              </a:spcBef>
+              <a:spcAft>
+                <a:spcPts val="0"/>
+              </a:spcAft>
+              <a:buNone/>
+              <a:tabLst/>
+              <a:defRPr sz="1200"/>
+            </a:pPr>
+            <a:r>
+              <a:rPr lang="en-GB" sz="1200" dirty="0" err="1" smtClean="0">
+                <a:latin typeface="Liberation Sans" pitchFamily="18"/>
+                <a:ea typeface="Noto Sans CJK SC Regular" pitchFamily="2"/>
+                <a:cs typeface="FreeSans" pitchFamily="2"/>
+              </a:rPr>
+              <a:t>Transcription_xml</a:t>
+            </a:r>
+            <a:endParaRPr lang="en-GB" sz="1200" b="0" i="0" u="none" strike="noStrike" kern="1200" cap="none" dirty="0">
+              <a:ln>
+                <a:noFill/>
+              </a:ln>
+              <a:latin typeface="Liberation Sans" pitchFamily="18"/>
+              <a:ea typeface="Noto Sans CJK SC Regular" pitchFamily="2"/>
+              <a:cs typeface="FreeSans" pitchFamily="2"/>
+            </a:endParaRPr>
+          </a:p>
+        </p:txBody>
+      </p:sp>
+      <p:sp>
+        <p:nvSpPr>
+          <p:cNvPr id="66" name="Freeform 65"/>
+          <p:cNvSpPr/>
+          <p:nvPr/>
+        </p:nvSpPr>
+        <p:spPr>
+          <a:xfrm>
+            <a:off x="7350841" y="4935150"/>
+            <a:ext cx="1296000" cy="432000"/>
+          </a:xfrm>
+          <a:custGeom>
+            <a:avLst/>
+            <a:gdLst>
+              <a:gd name="f0" fmla="val 0"/>
+              <a:gd name="f1" fmla="val 21600"/>
+            </a:gdLst>
+            <a:ahLst/>
+            <a:cxnLst>
+              <a:cxn ang="3cd4">
+                <a:pos x="hc" y="t"/>
+              </a:cxn>
+              <a:cxn ang="0">
+                <a:pos x="r" y="vc"/>
+              </a:cxn>
+              <a:cxn ang="cd4">
+                <a:pos x="hc" y="b"/>
+              </a:cxn>
+              <a:cxn ang="cd2">
+                <a:pos x="l" y="vc"/>
+              </a:cxn>
+            </a:cxnLst>
+            <a:rect l="l" t="t" r="r" b="b"/>
+            <a:pathLst>
+              <a:path w="21600" h="21600">
+                <a:moveTo>
+                  <a:pt x="f0" y="f0"/>
+                </a:moveTo>
+                <a:lnTo>
+                  <a:pt x="f1" y="f0"/>
+                </a:lnTo>
+                <a:lnTo>
+                  <a:pt x="f1" y="f1"/>
+                </a:lnTo>
+                <a:lnTo>
+                  <a:pt x="f0" y="f1"/>
+                </a:lnTo>
+                <a:lnTo>
+                  <a:pt x="f0" y="f0"/>
+                </a:lnTo>
+                <a:close/>
+              </a:path>
+            </a:pathLst>
+          </a:custGeom>
+          <a:solidFill>
+            <a:srgbClr val="FFFFFF"/>
+          </a:solidFill>
+          <a:ln w="0">
+            <a:solidFill>
+              <a:srgbClr val="3465A4"/>
+            </a:solidFill>
+            <a:prstDash val="solid"/>
+          </a:ln>
+        </p:spPr>
+        <p:txBody>
+          <a:bodyPr vert="horz" wrap="none" lIns="90000" tIns="45000" rIns="90000" bIns="45000" anchor="ctr" anchorCtr="0" compatLnSpc="0">
+            <a:noAutofit/>
+          </a:bodyPr>
+          <a:lstStyle/>
+          <a:p>
+            <a:pPr marL="0" marR="0" lvl="0" indent="0" algn="ctr" rtl="0" hangingPunct="0">
+              <a:lnSpc>
+                <a:spcPct val="100000"/>
+              </a:lnSpc>
+              <a:spcBef>
+                <a:spcPts val="0"/>
+              </a:spcBef>
+              <a:spcAft>
+                <a:spcPts val="0"/>
+              </a:spcAft>
+              <a:buNone/>
+              <a:tabLst/>
+              <a:defRPr sz="1200"/>
+            </a:pPr>
+            <a:r>
+              <a:rPr lang="en-GB" sz="1200" dirty="0" err="1" smtClean="0">
+                <a:latin typeface="Liberation Sans" pitchFamily="18"/>
+                <a:ea typeface="Noto Sans CJK SC Regular" pitchFamily="2"/>
+                <a:cs typeface="FreeSans" pitchFamily="2"/>
+              </a:rPr>
+              <a:t>BaseX</a:t>
+            </a:r>
+            <a:r>
+              <a:rPr lang="en-GB" sz="1200" dirty="0" smtClean="0">
+                <a:latin typeface="Liberation Sans" pitchFamily="18"/>
+                <a:ea typeface="Noto Sans CJK SC Regular" pitchFamily="2"/>
+                <a:cs typeface="FreeSans" pitchFamily="2"/>
+              </a:rPr>
+              <a:t> Client</a:t>
+            </a:r>
+            <a:endParaRPr lang="en-GB" sz="1200" b="0" i="0" u="none" strike="noStrike" kern="1200" cap="none" dirty="0">
+              <a:ln>
+                <a:noFill/>
+              </a:ln>
+              <a:latin typeface="Liberation Sans" pitchFamily="18"/>
+              <a:ea typeface="Noto Sans CJK SC Regular" pitchFamily="2"/>
+              <a:cs typeface="FreeSans" pitchFamily="2"/>
+            </a:endParaRPr>
+          </a:p>
+        </p:txBody>
+      </p:sp>
+      <p:cxnSp>
+        <p:nvCxnSpPr>
+          <p:cNvPr id="69" name="Straight Arrow Connector 68"/>
+          <p:cNvCxnSpPr>
+            <a:stCxn id="5" idx="2"/>
+            <a:endCxn id="21" idx="0"/>
+          </p:cNvCxnSpPr>
+          <p:nvPr/>
+        </p:nvCxnSpPr>
+        <p:spPr>
+          <a:xfrm flipH="1">
+            <a:off x="702000" y="2448223"/>
+            <a:ext cx="180000" cy="828602"/>
+          </a:xfrm>
+          <a:prstGeom prst="straightConnector1">
+            <a:avLst/>
+          </a:prstGeom>
+          <a:ln>
+            <a:tailEnd type="triangle"/>
+          </a:ln>
+        </p:spPr>
+        <p:style>
+          <a:lnRef idx="2">
+            <a:schemeClr val="dk1"/>
+          </a:lnRef>
+          <a:fillRef idx="0">
+            <a:schemeClr val="dk1"/>
+          </a:fillRef>
+          <a:effectRef idx="1">
+            <a:schemeClr val="dk1"/>
+          </a:effectRef>
+          <a:fontRef idx="minor">
+            <a:schemeClr val="tx1"/>
+          </a:fontRef>
+        </p:style>
+      </p:cxnSp>
+      <p:cxnSp>
+        <p:nvCxnSpPr>
+          <p:cNvPr id="71" name="Straight Arrow Connector 70"/>
+          <p:cNvCxnSpPr>
+            <a:stCxn id="6" idx="2"/>
+            <a:endCxn id="15" idx="0"/>
+          </p:cNvCxnSpPr>
+          <p:nvPr/>
+        </p:nvCxnSpPr>
+        <p:spPr>
+          <a:xfrm>
+            <a:off x="2398928" y="2448223"/>
+            <a:ext cx="1651072" cy="821699"/>
+          </a:xfrm>
+          <a:prstGeom prst="straightConnector1">
+            <a:avLst/>
+          </a:prstGeom>
+          <a:ln>
+            <a:tailEnd type="triangle"/>
+          </a:ln>
+        </p:spPr>
+        <p:style>
+          <a:lnRef idx="1">
+            <a:schemeClr val="dk1"/>
+          </a:lnRef>
+          <a:fillRef idx="0">
+            <a:schemeClr val="dk1"/>
+          </a:fillRef>
+          <a:effectRef idx="0">
+            <a:schemeClr val="dk1"/>
+          </a:effectRef>
+          <a:fontRef idx="minor">
+            <a:schemeClr val="tx1"/>
+          </a:fontRef>
+        </p:style>
+      </p:cxnSp>
+      <p:cxnSp>
+        <p:nvCxnSpPr>
+          <p:cNvPr id="75" name="Straight Arrow Connector 74"/>
+          <p:cNvCxnSpPr>
+            <a:stCxn id="6" idx="2"/>
+            <a:endCxn id="32" idx="0"/>
+          </p:cNvCxnSpPr>
+          <p:nvPr/>
+        </p:nvCxnSpPr>
+        <p:spPr>
+          <a:xfrm flipH="1">
+            <a:off x="2376000" y="2448223"/>
+            <a:ext cx="22928" cy="828602"/>
+          </a:xfrm>
+          <a:prstGeom prst="straightConnector1">
+            <a:avLst/>
+          </a:prstGeom>
+          <a:ln>
+            <a:tailEnd type="triangle"/>
+          </a:ln>
+        </p:spPr>
+        <p:style>
+          <a:lnRef idx="1">
+            <a:schemeClr val="dk1"/>
+          </a:lnRef>
+          <a:fillRef idx="0">
+            <a:schemeClr val="dk1"/>
+          </a:fillRef>
+          <a:effectRef idx="0">
+            <a:schemeClr val="dk1"/>
+          </a:effectRef>
+          <a:fontRef idx="minor">
+            <a:schemeClr val="tx1"/>
+          </a:fontRef>
+        </p:style>
+      </p:cxnSp>
+      <p:cxnSp>
+        <p:nvCxnSpPr>
+          <p:cNvPr id="77" name="Straight Arrow Connector 76"/>
+          <p:cNvCxnSpPr>
+            <a:stCxn id="7" idx="2"/>
+            <a:endCxn id="17" idx="0"/>
+          </p:cNvCxnSpPr>
+          <p:nvPr/>
+        </p:nvCxnSpPr>
+        <p:spPr>
+          <a:xfrm>
+            <a:off x="5540784" y="2448223"/>
+            <a:ext cx="93216" cy="828602"/>
+          </a:xfrm>
+          <a:prstGeom prst="straightConnector1">
+            <a:avLst/>
+          </a:prstGeom>
+          <a:ln>
+            <a:tailEnd type="triangle"/>
+          </a:ln>
+        </p:spPr>
+        <p:style>
+          <a:lnRef idx="2">
+            <a:schemeClr val="dk1"/>
+          </a:lnRef>
+          <a:fillRef idx="0">
+            <a:schemeClr val="dk1"/>
+          </a:fillRef>
+          <a:effectRef idx="1">
+            <a:schemeClr val="dk1"/>
+          </a:effectRef>
+          <a:fontRef idx="minor">
+            <a:schemeClr val="tx1"/>
+          </a:fontRef>
+        </p:style>
+      </p:cxnSp>
+      <p:cxnSp>
+        <p:nvCxnSpPr>
+          <p:cNvPr id="79" name="Straight Arrow Connector 78"/>
+          <p:cNvCxnSpPr>
+            <a:stCxn id="8" idx="2"/>
+            <a:endCxn id="18" idx="0"/>
+          </p:cNvCxnSpPr>
+          <p:nvPr/>
+        </p:nvCxnSpPr>
+        <p:spPr>
+          <a:xfrm flipH="1">
+            <a:off x="7218000" y="2448223"/>
+            <a:ext cx="1711" cy="818399"/>
+          </a:xfrm>
+          <a:prstGeom prst="straightConnector1">
+            <a:avLst/>
+          </a:prstGeom>
+          <a:ln>
+            <a:tailEnd type="triangle"/>
+          </a:ln>
+        </p:spPr>
+        <p:style>
+          <a:lnRef idx="1">
+            <a:schemeClr val="dk1"/>
+          </a:lnRef>
+          <a:fillRef idx="0">
+            <a:schemeClr val="dk1"/>
+          </a:fillRef>
+          <a:effectRef idx="0">
+            <a:schemeClr val="dk1"/>
+          </a:effectRef>
+          <a:fontRef idx="minor">
+            <a:schemeClr val="tx1"/>
+          </a:fontRef>
+        </p:style>
+      </p:cxnSp>
+      <p:cxnSp>
+        <p:nvCxnSpPr>
+          <p:cNvPr id="81" name="Straight Arrow Connector 80"/>
+          <p:cNvCxnSpPr>
+            <a:stCxn id="21" idx="2"/>
+            <a:endCxn id="30" idx="0"/>
+          </p:cNvCxnSpPr>
+          <p:nvPr/>
+        </p:nvCxnSpPr>
+        <p:spPr>
+          <a:xfrm>
+            <a:off x="702000" y="3708825"/>
+            <a:ext cx="0" cy="1226325"/>
+          </a:xfrm>
+          <a:prstGeom prst="straightConnector1">
+            <a:avLst/>
+          </a:prstGeom>
+          <a:ln>
+            <a:tailEnd type="triangle"/>
+          </a:ln>
+        </p:spPr>
+        <p:style>
+          <a:lnRef idx="1">
+            <a:schemeClr val="dk1"/>
+          </a:lnRef>
+          <a:fillRef idx="0">
+            <a:schemeClr val="dk1"/>
+          </a:fillRef>
+          <a:effectRef idx="0">
+            <a:schemeClr val="dk1"/>
+          </a:effectRef>
+          <a:fontRef idx="minor">
+            <a:schemeClr val="tx1"/>
+          </a:fontRef>
+        </p:style>
+      </p:cxnSp>
+      <p:cxnSp>
+        <p:nvCxnSpPr>
+          <p:cNvPr id="84" name="Straight Arrow Connector 83"/>
+          <p:cNvCxnSpPr>
+            <a:stCxn id="15" idx="2"/>
+            <a:endCxn id="28" idx="0"/>
+          </p:cNvCxnSpPr>
+          <p:nvPr/>
+        </p:nvCxnSpPr>
+        <p:spPr>
+          <a:xfrm flipH="1">
+            <a:off x="2006568" y="3701922"/>
+            <a:ext cx="2043432" cy="1233228"/>
+          </a:xfrm>
+          <a:prstGeom prst="straightConnector1">
+            <a:avLst/>
+          </a:prstGeom>
+          <a:ln>
+            <a:tailEnd type="triangle"/>
+          </a:ln>
+        </p:spPr>
+        <p:style>
+          <a:lnRef idx="1">
+            <a:schemeClr val="dk1"/>
+          </a:lnRef>
+          <a:fillRef idx="0">
+            <a:schemeClr val="dk1"/>
+          </a:fillRef>
+          <a:effectRef idx="0">
+            <a:schemeClr val="dk1"/>
+          </a:effectRef>
+          <a:fontRef idx="minor">
+            <a:schemeClr val="tx1"/>
+          </a:fontRef>
+        </p:style>
+      </p:cxnSp>
+      <p:cxnSp>
+        <p:nvCxnSpPr>
+          <p:cNvPr id="86" name="Straight Arrow Connector 85"/>
+          <p:cNvCxnSpPr>
+            <a:stCxn id="15" idx="2"/>
+            <a:endCxn id="29" idx="0"/>
+          </p:cNvCxnSpPr>
+          <p:nvPr/>
+        </p:nvCxnSpPr>
+        <p:spPr>
+          <a:xfrm>
+            <a:off x="4050000" y="3701922"/>
+            <a:ext cx="2446272" cy="1233228"/>
+          </a:xfrm>
+          <a:prstGeom prst="straightConnector1">
+            <a:avLst/>
+          </a:prstGeom>
+          <a:ln>
+            <a:tailEnd type="triangle"/>
+          </a:ln>
+        </p:spPr>
+        <p:style>
+          <a:lnRef idx="1">
+            <a:schemeClr val="dk1"/>
+          </a:lnRef>
+          <a:fillRef idx="0">
+            <a:schemeClr val="dk1"/>
+          </a:fillRef>
+          <a:effectRef idx="0">
+            <a:schemeClr val="dk1"/>
+          </a:effectRef>
+          <a:fontRef idx="minor">
+            <a:schemeClr val="tx1"/>
+          </a:fontRef>
+        </p:style>
+      </p:cxnSp>
+      <p:cxnSp>
+        <p:nvCxnSpPr>
+          <p:cNvPr id="88" name="Straight Arrow Connector 87"/>
+          <p:cNvCxnSpPr>
+            <a:stCxn id="15" idx="2"/>
+            <a:endCxn id="31" idx="0"/>
+          </p:cNvCxnSpPr>
+          <p:nvPr/>
+        </p:nvCxnSpPr>
+        <p:spPr>
+          <a:xfrm flipH="1">
+            <a:off x="3509136" y="3701922"/>
+            <a:ext cx="540864" cy="1233228"/>
+          </a:xfrm>
+          <a:prstGeom prst="straightConnector1">
+            <a:avLst/>
+          </a:prstGeom>
+          <a:ln>
+            <a:tailEnd type="triangle"/>
+          </a:ln>
+        </p:spPr>
+        <p:style>
+          <a:lnRef idx="1">
+            <a:schemeClr val="dk1"/>
+          </a:lnRef>
+          <a:fillRef idx="0">
+            <a:schemeClr val="dk1"/>
+          </a:fillRef>
+          <a:effectRef idx="0">
+            <a:schemeClr val="dk1"/>
+          </a:effectRef>
+          <a:fontRef idx="minor">
+            <a:schemeClr val="tx1"/>
+          </a:fontRef>
+        </p:style>
+      </p:cxnSp>
+      <p:cxnSp>
+        <p:nvCxnSpPr>
+          <p:cNvPr id="90" name="Straight Arrow Connector 89"/>
+          <p:cNvCxnSpPr>
+            <a:stCxn id="32" idx="2"/>
+            <a:endCxn id="28" idx="0"/>
+          </p:cNvCxnSpPr>
+          <p:nvPr/>
+        </p:nvCxnSpPr>
+        <p:spPr>
+          <a:xfrm flipH="1">
+            <a:off x="2006568" y="3708825"/>
+            <a:ext cx="369432" cy="1226325"/>
+          </a:xfrm>
+          <a:prstGeom prst="straightConnector1">
+            <a:avLst/>
+          </a:prstGeom>
+          <a:ln>
+            <a:tailEnd type="triangle"/>
+          </a:ln>
+        </p:spPr>
+        <p:style>
+          <a:lnRef idx="1">
+            <a:schemeClr val="dk1"/>
+          </a:lnRef>
+          <a:fillRef idx="0">
+            <a:schemeClr val="dk1"/>
+          </a:fillRef>
+          <a:effectRef idx="0">
+            <a:schemeClr val="dk1"/>
+          </a:effectRef>
+          <a:fontRef idx="minor">
+            <a:schemeClr val="tx1"/>
+          </a:fontRef>
+        </p:style>
+      </p:cxnSp>
+      <p:cxnSp>
+        <p:nvCxnSpPr>
+          <p:cNvPr id="92" name="Straight Arrow Connector 91"/>
+          <p:cNvCxnSpPr>
+            <a:stCxn id="32" idx="2"/>
+            <a:endCxn id="64" idx="0"/>
+          </p:cNvCxnSpPr>
+          <p:nvPr/>
+        </p:nvCxnSpPr>
+        <p:spPr>
+          <a:xfrm>
+            <a:off x="2376000" y="3708825"/>
+            <a:ext cx="2617704" cy="1226325"/>
+          </a:xfrm>
+          <a:prstGeom prst="straightConnector1">
+            <a:avLst/>
+          </a:prstGeom>
+          <a:ln>
+            <a:tailEnd type="triangle"/>
+          </a:ln>
+        </p:spPr>
+        <p:style>
+          <a:lnRef idx="1">
+            <a:schemeClr val="dk1"/>
+          </a:lnRef>
+          <a:fillRef idx="0">
+            <a:schemeClr val="dk1"/>
+          </a:fillRef>
+          <a:effectRef idx="0">
+            <a:schemeClr val="dk1"/>
+          </a:effectRef>
+          <a:fontRef idx="minor">
+            <a:schemeClr val="tx1"/>
+          </a:fontRef>
+        </p:style>
+      </p:cxnSp>
+      <p:cxnSp>
+        <p:nvCxnSpPr>
+          <p:cNvPr id="94" name="Straight Arrow Connector 93"/>
+          <p:cNvCxnSpPr>
+            <a:stCxn id="17" idx="2"/>
+            <a:endCxn id="29" idx="0"/>
+          </p:cNvCxnSpPr>
+          <p:nvPr/>
+        </p:nvCxnSpPr>
+        <p:spPr>
+          <a:xfrm>
+            <a:off x="5634000" y="3708825"/>
+            <a:ext cx="862272" cy="1226325"/>
+          </a:xfrm>
+          <a:prstGeom prst="straightConnector1">
+            <a:avLst/>
+          </a:prstGeom>
+          <a:ln>
+            <a:tailEnd type="triangle"/>
+          </a:ln>
+        </p:spPr>
+        <p:style>
+          <a:lnRef idx="1">
+            <a:schemeClr val="dk1"/>
+          </a:lnRef>
+          <a:fillRef idx="0">
+            <a:schemeClr val="dk1"/>
+          </a:fillRef>
+          <a:effectRef idx="0">
+            <a:schemeClr val="dk1"/>
+          </a:effectRef>
+          <a:fontRef idx="minor">
+            <a:schemeClr val="tx1"/>
+          </a:fontRef>
+        </p:style>
+      </p:cxnSp>
+      <p:cxnSp>
+        <p:nvCxnSpPr>
+          <p:cNvPr id="116" name="Straight Arrow Connector 115"/>
+          <p:cNvCxnSpPr>
+            <a:stCxn id="18" idx="2"/>
+            <a:endCxn id="66" idx="0"/>
+          </p:cNvCxnSpPr>
+          <p:nvPr/>
+        </p:nvCxnSpPr>
+        <p:spPr>
+          <a:xfrm>
+            <a:off x="7218000" y="3698622"/>
+            <a:ext cx="780841" cy="1236528"/>
+          </a:xfrm>
+          <a:prstGeom prst="straightConnector1">
+            <a:avLst/>
+          </a:prstGeom>
+          <a:ln>
+            <a:tailEnd type="triangle"/>
+          </a:ln>
+        </p:spPr>
+        <p:style>
+          <a:lnRef idx="1">
+            <a:schemeClr val="dk1"/>
+          </a:lnRef>
+          <a:fillRef idx="0">
+            <a:schemeClr val="dk1"/>
+          </a:fillRef>
+          <a:effectRef idx="0">
+            <a:schemeClr val="dk1"/>
+          </a:effectRef>
+          <a:fontRef idx="minor">
+            <a:schemeClr val="tx1"/>
+          </a:fontRef>
+        </p:style>
+      </p:cxnSp>
+      <p:cxnSp>
+        <p:nvCxnSpPr>
+          <p:cNvPr id="120" name="Straight Arrow Connector 119"/>
+          <p:cNvCxnSpPr>
+            <a:stCxn id="30" idx="2"/>
+            <a:endCxn id="46" idx="0"/>
+          </p:cNvCxnSpPr>
+          <p:nvPr/>
+        </p:nvCxnSpPr>
+        <p:spPr>
+          <a:xfrm>
+            <a:off x="702000" y="5367150"/>
+            <a:ext cx="1696928" cy="1040849"/>
+          </a:xfrm>
+          <a:prstGeom prst="straightConnector1">
+            <a:avLst/>
+          </a:prstGeom>
+          <a:ln>
+            <a:tailEnd type="triangle"/>
+          </a:ln>
+        </p:spPr>
+        <p:style>
+          <a:lnRef idx="1">
+            <a:schemeClr val="dk1"/>
+          </a:lnRef>
+          <a:fillRef idx="0">
+            <a:schemeClr val="dk1"/>
+          </a:fillRef>
+          <a:effectRef idx="0">
+            <a:schemeClr val="dk1"/>
+          </a:effectRef>
+          <a:fontRef idx="minor">
+            <a:schemeClr val="tx1"/>
+          </a:fontRef>
+        </p:style>
+      </p:cxnSp>
+      <p:cxnSp>
+        <p:nvCxnSpPr>
+          <p:cNvPr id="122" name="Straight Arrow Connector 121"/>
+          <p:cNvCxnSpPr>
+            <a:stCxn id="28" idx="2"/>
+            <a:endCxn id="46" idx="0"/>
+          </p:cNvCxnSpPr>
+          <p:nvPr/>
+        </p:nvCxnSpPr>
+        <p:spPr>
+          <a:xfrm>
+            <a:off x="2006568" y="5367150"/>
+            <a:ext cx="392360" cy="1040849"/>
+          </a:xfrm>
+          <a:prstGeom prst="straightConnector1">
+            <a:avLst/>
+          </a:prstGeom>
+          <a:ln>
+            <a:tailEnd type="triangle"/>
+          </a:ln>
+        </p:spPr>
+        <p:style>
+          <a:lnRef idx="1">
+            <a:schemeClr val="dk1"/>
+          </a:lnRef>
+          <a:fillRef idx="0">
+            <a:schemeClr val="dk1"/>
+          </a:fillRef>
+          <a:effectRef idx="0">
+            <a:schemeClr val="dk1"/>
+          </a:effectRef>
+          <a:fontRef idx="minor">
+            <a:schemeClr val="tx1"/>
+          </a:fontRef>
+        </p:style>
+      </p:cxnSp>
+      <p:cxnSp>
+        <p:nvCxnSpPr>
+          <p:cNvPr id="124" name="Straight Arrow Connector 123"/>
+          <p:cNvCxnSpPr>
+            <a:stCxn id="31" idx="2"/>
+            <a:endCxn id="46" idx="0"/>
+          </p:cNvCxnSpPr>
+          <p:nvPr/>
+        </p:nvCxnSpPr>
+        <p:spPr>
+          <a:xfrm flipH="1">
+            <a:off x="2398928" y="5367150"/>
+            <a:ext cx="1110208" cy="1040849"/>
+          </a:xfrm>
+          <a:prstGeom prst="straightConnector1">
+            <a:avLst/>
+          </a:prstGeom>
+          <a:ln>
+            <a:tailEnd type="triangle"/>
+          </a:ln>
+        </p:spPr>
+        <p:style>
+          <a:lnRef idx="1">
+            <a:schemeClr val="dk1"/>
+          </a:lnRef>
+          <a:fillRef idx="0">
+            <a:schemeClr val="dk1"/>
+          </a:fillRef>
+          <a:effectRef idx="0">
+            <a:schemeClr val="dk1"/>
+          </a:effectRef>
+          <a:fontRef idx="minor">
+            <a:schemeClr val="tx1"/>
+          </a:fontRef>
+        </p:style>
+      </p:cxnSp>
+      <p:cxnSp>
+        <p:nvCxnSpPr>
+          <p:cNvPr id="126" name="Straight Arrow Connector 125"/>
+          <p:cNvCxnSpPr>
+            <a:stCxn id="64" idx="2"/>
+            <a:endCxn id="46" idx="0"/>
+          </p:cNvCxnSpPr>
+          <p:nvPr/>
+        </p:nvCxnSpPr>
+        <p:spPr>
+          <a:xfrm flipH="1">
+            <a:off x="2398928" y="5367150"/>
+            <a:ext cx="2594776" cy="1040849"/>
+          </a:xfrm>
+          <a:prstGeom prst="straightConnector1">
+            <a:avLst/>
+          </a:prstGeom>
+          <a:ln>
+            <a:tailEnd type="triangle"/>
+          </a:ln>
+        </p:spPr>
+        <p:style>
+          <a:lnRef idx="1">
+            <a:schemeClr val="dk1"/>
+          </a:lnRef>
+          <a:fillRef idx="0">
+            <a:schemeClr val="dk1"/>
+          </a:fillRef>
+          <a:effectRef idx="0">
+            <a:schemeClr val="dk1"/>
+          </a:effectRef>
+          <a:fontRef idx="minor">
+            <a:schemeClr val="tx1"/>
+          </a:fontRef>
+        </p:style>
+      </p:cxnSp>
+      <p:cxnSp>
+        <p:nvCxnSpPr>
+          <p:cNvPr id="128" name="Straight Arrow Connector 127"/>
+          <p:cNvCxnSpPr>
+            <a:stCxn id="29" idx="2"/>
+            <a:endCxn id="46" idx="0"/>
+          </p:cNvCxnSpPr>
+          <p:nvPr/>
+        </p:nvCxnSpPr>
+        <p:spPr>
+          <a:xfrm flipH="1">
+            <a:off x="2398928" y="5367150"/>
+            <a:ext cx="4097344" cy="1040849"/>
+          </a:xfrm>
+          <a:prstGeom prst="straightConnector1">
+            <a:avLst/>
+          </a:prstGeom>
+          <a:ln>
+            <a:tailEnd type="triangle"/>
+          </a:ln>
+        </p:spPr>
+        <p:style>
+          <a:lnRef idx="1">
+            <a:schemeClr val="dk1"/>
+          </a:lnRef>
+          <a:fillRef idx="0">
+            <a:schemeClr val="dk1"/>
+          </a:fillRef>
+          <a:effectRef idx="0">
+            <a:schemeClr val="dk1"/>
+          </a:effectRef>
+          <a:fontRef idx="minor">
+            <a:schemeClr val="tx1"/>
+          </a:fontRef>
+        </p:style>
+      </p:cxnSp>
+      <p:cxnSp>
+        <p:nvCxnSpPr>
+          <p:cNvPr id="130" name="Straight Arrow Connector 129"/>
+          <p:cNvCxnSpPr>
+            <a:stCxn id="29" idx="2"/>
+            <a:endCxn id="47" idx="0"/>
+          </p:cNvCxnSpPr>
+          <p:nvPr/>
+        </p:nvCxnSpPr>
+        <p:spPr>
+          <a:xfrm flipH="1">
+            <a:off x="5198884" y="5367150"/>
+            <a:ext cx="1297388" cy="1040849"/>
+          </a:xfrm>
+          <a:prstGeom prst="straightConnector1">
+            <a:avLst/>
+          </a:prstGeom>
+          <a:ln>
+            <a:tailEnd type="triangle"/>
+          </a:ln>
+        </p:spPr>
+        <p:style>
+          <a:lnRef idx="1">
+            <a:schemeClr val="dk1"/>
+          </a:lnRef>
+          <a:fillRef idx="0">
+            <a:schemeClr val="dk1"/>
+          </a:fillRef>
+          <a:effectRef idx="0">
+            <a:schemeClr val="dk1"/>
+          </a:effectRef>
+          <a:fontRef idx="minor">
+            <a:schemeClr val="tx1"/>
+          </a:fontRef>
+        </p:style>
+      </p:cxnSp>
+      <p:cxnSp>
+        <p:nvCxnSpPr>
+          <p:cNvPr id="132" name="Straight Arrow Connector 131"/>
+          <p:cNvCxnSpPr>
+            <a:stCxn id="66" idx="2"/>
+            <a:endCxn id="65" idx="0"/>
+          </p:cNvCxnSpPr>
+          <p:nvPr/>
+        </p:nvCxnSpPr>
+        <p:spPr>
+          <a:xfrm>
+            <a:off x="7998841" y="5367150"/>
+            <a:ext cx="0" cy="1033561"/>
+          </a:xfrm>
+          <a:prstGeom prst="straightConnector1">
+            <a:avLst/>
+          </a:prstGeom>
+          <a:ln>
+            <a:tailEnd type="triangle"/>
+          </a:ln>
+        </p:spPr>
+        <p:style>
+          <a:lnRef idx="1">
+            <a:schemeClr val="dk1"/>
+          </a:lnRef>
+          <a:fillRef idx="0">
+            <a:schemeClr val="dk1"/>
+          </a:fillRef>
+          <a:effectRef idx="0">
+            <a:schemeClr val="dk1"/>
+          </a:effectRef>
+          <a:fontRef idx="minor">
+            <a:schemeClr val="tx1"/>
+          </a:fontRef>
+        </p:style>
+      </p:cxnSp>
+      <p:cxnSp>
+        <p:nvCxnSpPr>
+          <p:cNvPr id="10" name="Straight Arrow Connector 9"/>
+          <p:cNvCxnSpPr>
+            <a:stCxn id="64" idx="2"/>
+            <a:endCxn id="65" idx="0"/>
+          </p:cNvCxnSpPr>
+          <p:nvPr/>
+        </p:nvCxnSpPr>
+        <p:spPr>
+          <a:xfrm>
+            <a:off x="4993704" y="5367150"/>
+            <a:ext cx="3005137" cy="1033561"/>
+          </a:xfrm>
+          <a:prstGeom prst="straightConnector1">
+            <a:avLst/>
+          </a:prstGeom>
+          <a:ln>
+            <a:tailEnd type="triangle"/>
+          </a:ln>
+        </p:spPr>
+        <p:style>
+          <a:lnRef idx="1">
+            <a:schemeClr val="dk1"/>
+          </a:lnRef>
+          <a:fillRef idx="0">
+            <a:schemeClr val="dk1"/>
+          </a:fillRef>
+          <a:effectRef idx="0">
+            <a:schemeClr val="dk1"/>
+          </a:effectRef>
+          <a:fontRef idx="minor">
+            <a:schemeClr val="tx1"/>
+          </a:fontRef>
+        </p:style>
+      </p:cxnSp>
+      <p:sp>
+        <p:nvSpPr>
+          <p:cNvPr id="12" name="Rectangle 11"/>
+          <p:cNvSpPr/>
+          <p:nvPr/>
+        </p:nvSpPr>
+        <p:spPr>
+          <a:xfrm>
+            <a:off x="4157136" y="6400711"/>
+            <a:ext cx="2129364" cy="663568"/>
+          </a:xfrm>
+          <a:prstGeom prst="rect">
+            <a:avLst/>
+          </a:prstGeom>
+          <a:solidFill>
+            <a:schemeClr val="bg1"/>
+          </a:solidFill>
+        </p:spPr>
+        <p:style>
+          <a:lnRef idx="2">
+            <a:schemeClr val="dk1"/>
+          </a:lnRef>
+          <a:fillRef idx="1">
+            <a:schemeClr val="lt1"/>
+          </a:fillRef>
+          <a:effectRef idx="0">
+            <a:schemeClr val="dk1"/>
+          </a:effectRef>
+          <a:fontRef idx="minor">
+            <a:schemeClr val="dk1"/>
+          </a:fontRef>
+        </p:style>
+        <p:txBody>
+          <a:bodyPr rtlCol="0" anchor="ctr"/>
+          <a:lstStyle/>
+          <a:p>
+            <a:pPr algn="ctr"/>
+            <a:endParaRPr lang="en-GB"/>
+          </a:p>
+        </p:txBody>
+      </p:sp>
+      <p:sp>
+        <p:nvSpPr>
           <p:cNvPr id="47" name="Freeform 46"/>
           <p:cNvSpPr/>
           <p:nvPr/>
@@ -5990,210 +7147,42 @@
       </p:sp>
       <p:sp>
         <p:nvSpPr>
-          <p:cNvPr id="58" name="Freeform 57"/>
+          <p:cNvPr id="51" name="Rectangle 50"/>
           <p:cNvSpPr/>
           <p:nvPr/>
         </p:nvSpPr>
         <p:spPr>
           <a:xfrm>
-            <a:off x="3465856" y="701773"/>
-            <a:ext cx="900000" cy="432000"/>
-          </a:xfrm>
-          <a:custGeom>
+            <a:off x="6934159" y="6400711"/>
+            <a:ext cx="2129364" cy="663568"/>
+          </a:xfrm>
+          <a:prstGeom prst="rect">
             <a:avLst/>
-            <a:gdLst>
-              <a:gd name="f0" fmla="val 0"/>
-              <a:gd name="f1" fmla="val 21600"/>
-            </a:gdLst>
-            <a:ahLst/>
-            <a:cxnLst>
-              <a:cxn ang="3cd4">
-                <a:pos x="hc" y="t"/>
-              </a:cxn>
-              <a:cxn ang="0">
-                <a:pos x="r" y="vc"/>
-              </a:cxn>
-              <a:cxn ang="cd4">
-                <a:pos x="hc" y="b"/>
-              </a:cxn>
-              <a:cxn ang="cd2">
-                <a:pos x="l" y="vc"/>
-              </a:cxn>
-            </a:cxnLst>
-            <a:rect l="l" t="t" r="r" b="b"/>
-            <a:pathLst>
-              <a:path w="21600" h="21600">
-                <a:moveTo>
-                  <a:pt x="f0" y="f0"/>
-                </a:moveTo>
-                <a:lnTo>
-                  <a:pt x="f1" y="f0"/>
-                </a:lnTo>
-                <a:lnTo>
-                  <a:pt x="f1" y="f1"/>
-                </a:lnTo>
-                <a:lnTo>
-                  <a:pt x="f0" y="f1"/>
-                </a:lnTo>
-                <a:lnTo>
-                  <a:pt x="f0" y="f0"/>
-                </a:lnTo>
-                <a:close/>
-              </a:path>
-            </a:pathLst>
-          </a:custGeom>
+          </a:prstGeom>
           <a:solidFill>
-            <a:srgbClr val="FFFFFF"/>
+            <a:schemeClr val="bg1"/>
           </a:solidFill>
-          <a:ln w="0">
-            <a:solidFill>
-              <a:srgbClr val="3465A4"/>
-            </a:solidFill>
-            <a:prstDash val="solid"/>
-          </a:ln>
-        </p:spPr>
-        <p:txBody>
-          <a:bodyPr vert="horz" wrap="none" lIns="90000" tIns="45000" rIns="90000" bIns="45000" anchor="ctr" anchorCtr="0" compatLnSpc="0">
-            <a:noAutofit/>
-          </a:bodyPr>
+        </p:spPr>
+        <p:style>
+          <a:lnRef idx="2">
+            <a:schemeClr val="dk1"/>
+          </a:lnRef>
+          <a:fillRef idx="1">
+            <a:schemeClr val="lt1"/>
+          </a:fillRef>
+          <a:effectRef idx="0">
+            <a:schemeClr val="dk1"/>
+          </a:effectRef>
+          <a:fontRef idx="minor">
+            <a:schemeClr val="dk1"/>
+          </a:fontRef>
+        </p:style>
+        <p:txBody>
+          <a:bodyPr rtlCol="0" anchor="ctr"/>
           <a:lstStyle/>
           <a:p>
-            <a:pPr marL="0" marR="0" lvl="0" indent="0" algn="ctr" rtl="0" hangingPunct="0">
-              <a:lnSpc>
-                <a:spcPct val="100000"/>
-              </a:lnSpc>
-              <a:spcBef>
-                <a:spcPts val="0"/>
-              </a:spcBef>
-              <a:spcAft>
-                <a:spcPts val="0"/>
-              </a:spcAft>
-              <a:buNone/>
-              <a:tabLst/>
-              <a:defRPr sz="1200"/>
-            </a:pPr>
-            <a:r>
-              <a:rPr lang="en-GB" sz="1200" b="0" i="0" u="none" strike="noStrike" kern="1200" cap="none" dirty="0" smtClean="0">
-                <a:ln>
-                  <a:noFill/>
-                </a:ln>
-                <a:latin typeface="Liberation Sans" pitchFamily="18"/>
-                <a:ea typeface="Noto Sans CJK SC Regular" pitchFamily="2"/>
-                <a:cs typeface="FreeSans" pitchFamily="2"/>
-              </a:rPr>
-              <a:t>Home</a:t>
-            </a:r>
-            <a:endParaRPr lang="en-GB" sz="1200" b="0" i="0" u="none" strike="noStrike" kern="1200" cap="none" dirty="0">
-              <a:ln>
-                <a:noFill/>
-              </a:ln>
-              <a:latin typeface="Liberation Sans" pitchFamily="18"/>
-              <a:ea typeface="Noto Sans CJK SC Regular" pitchFamily="2"/>
-              <a:cs typeface="FreeSans" pitchFamily="2"/>
-            </a:endParaRPr>
-          </a:p>
-        </p:txBody>
-      </p:sp>
-      <p:sp>
-        <p:nvSpPr>
-          <p:cNvPr id="64" name="Freeform 63"/>
-          <p:cNvSpPr/>
-          <p:nvPr/>
-        </p:nvSpPr>
-        <p:spPr>
-          <a:xfrm>
-            <a:off x="4345704" y="4935150"/>
-            <a:ext cx="1296000" cy="432000"/>
-          </a:xfrm>
-          <a:custGeom>
-            <a:avLst/>
-            <a:gdLst>
-              <a:gd name="f0" fmla="val 0"/>
-              <a:gd name="f1" fmla="val 21600"/>
-            </a:gdLst>
-            <a:ahLst/>
-            <a:cxnLst>
-              <a:cxn ang="3cd4">
-                <a:pos x="hc" y="t"/>
-              </a:cxn>
-              <a:cxn ang="0">
-                <a:pos x="r" y="vc"/>
-              </a:cxn>
-              <a:cxn ang="cd4">
-                <a:pos x="hc" y="b"/>
-              </a:cxn>
-              <a:cxn ang="cd2">
-                <a:pos x="l" y="vc"/>
-              </a:cxn>
-            </a:cxnLst>
-            <a:rect l="l" t="t" r="r" b="b"/>
-            <a:pathLst>
-              <a:path w="21600" h="21600">
-                <a:moveTo>
-                  <a:pt x="f0" y="f0"/>
-                </a:moveTo>
-                <a:lnTo>
-                  <a:pt x="f1" y="f0"/>
-                </a:lnTo>
-                <a:lnTo>
-                  <a:pt x="f1" y="f1"/>
-                </a:lnTo>
-                <a:lnTo>
-                  <a:pt x="f0" y="f1"/>
-                </a:lnTo>
-                <a:lnTo>
-                  <a:pt x="f0" y="f0"/>
-                </a:lnTo>
-                <a:close/>
-              </a:path>
-            </a:pathLst>
-          </a:custGeom>
-          <a:solidFill>
-            <a:srgbClr val="FFFFFF"/>
-          </a:solidFill>
-          <a:ln w="0">
-            <a:solidFill>
-              <a:srgbClr val="3465A4"/>
-            </a:solidFill>
-            <a:prstDash val="solid"/>
-          </a:ln>
-        </p:spPr>
-        <p:txBody>
-          <a:bodyPr vert="horz" wrap="none" lIns="90000" tIns="45000" rIns="90000" bIns="45000" anchor="ctr" anchorCtr="0" compatLnSpc="0">
-            <a:noAutofit/>
-          </a:bodyPr>
-          <a:lstStyle/>
-          <a:p>
-            <a:pPr marL="0" marR="0" lvl="0" indent="0" algn="ctr" rtl="0" hangingPunct="0">
-              <a:lnSpc>
-                <a:spcPct val="100000"/>
-              </a:lnSpc>
-              <a:spcBef>
-                <a:spcPts val="0"/>
-              </a:spcBef>
-              <a:spcAft>
-                <a:spcPts val="0"/>
-              </a:spcAft>
-              <a:buNone/>
-              <a:tabLst/>
-              <a:defRPr sz="1200"/>
-            </a:pPr>
-            <a:r>
-              <a:rPr lang="en-GB" sz="1200" dirty="0" err="1" smtClean="0">
-                <a:latin typeface="Liberation Sans" pitchFamily="18"/>
-                <a:ea typeface="Noto Sans CJK SC Regular" pitchFamily="2"/>
-                <a:cs typeface="FreeSans" pitchFamily="2"/>
-              </a:rPr>
-              <a:t>Transcription_xml</a:t>
-            </a:r>
-            <a:endParaRPr lang="en-GB" sz="1200" b="0" i="0" u="none" strike="noStrike" kern="1200" cap="none" dirty="0">
-              <a:ln>
-                <a:noFill/>
-              </a:ln>
-              <a:latin typeface="Liberation Sans" pitchFamily="18"/>
-              <a:ea typeface="Noto Sans CJK SC Regular" pitchFamily="2"/>
-              <a:cs typeface="FreeSans" pitchFamily="2"/>
-            </a:endParaRPr>
+            <a:pPr algn="ctr"/>
+            <a:endParaRPr lang="en-GB"/>
           </a:p>
         </p:txBody>
       </p:sp>
@@ -6404,14 +7393,54 @@
       </p:sp>
       <p:sp>
         <p:nvSpPr>
-          <p:cNvPr id="66" name="Freeform 65"/>
+          <p:cNvPr id="16" name="Rectangle 15"/>
           <p:cNvSpPr/>
           <p:nvPr/>
         </p:nvSpPr>
         <p:spPr>
           <a:xfrm>
-            <a:off x="7350841" y="4935150"/>
-            <a:ext cx="1296000" cy="432000"/>
+            <a:off x="95250" y="104776"/>
+            <a:ext cx="7903591" cy="1347450"/>
+          </a:xfrm>
+          <a:prstGeom prst="rect">
+            <a:avLst/>
+          </a:prstGeom>
+        </p:spPr>
+        <p:style>
+          <a:lnRef idx="2">
+            <a:schemeClr val="accent1">
+              <a:shade val="50000"/>
+            </a:schemeClr>
+          </a:lnRef>
+          <a:fillRef idx="1">
+            <a:schemeClr val="accent1"/>
+          </a:fillRef>
+          <a:effectRef idx="0">
+            <a:schemeClr val="accent1"/>
+          </a:effectRef>
+          <a:fontRef idx="minor">
+            <a:schemeClr val="lt1"/>
+          </a:fontRef>
+        </p:style>
+        <p:txBody>
+          <a:bodyPr rtlCol="0" anchor="ctr"/>
+          <a:lstStyle/>
+          <a:p>
+            <a:pPr algn="ctr"/>
+            <a:endParaRPr lang="en-GB"/>
+          </a:p>
+        </p:txBody>
+      </p:sp>
+      <p:sp>
+        <p:nvSpPr>
+          <p:cNvPr id="53" name="Freeform 52"/>
+          <p:cNvSpPr/>
+          <p:nvPr/>
+        </p:nvSpPr>
+        <p:spPr>
+          <a:xfrm>
+            <a:off x="1675061" y="290857"/>
+            <a:ext cx="1344668" cy="432000"/>
           </a:xfrm>
           <a:custGeom>
             <a:avLst/>
@@ -6487,20 +7516,15 @@
               <a:defRPr sz="1200"/>
             </a:pPr>
             <a:r>
-              <a:rPr lang="en-GB" sz="1200" dirty="0" err="1" smtClean="0">
+              <a:rPr lang="en-GB" sz="1200" b="0" i="0" u="none" strike="noStrike" kern="1200" cap="none" dirty="0" smtClean="0">
+                <a:ln>
+                  <a:noFill/>
+                </a:ln>
                 <a:latin typeface="Liberation Sans" pitchFamily="18"/>
                 <a:ea typeface="Noto Sans CJK SC Regular" pitchFamily="2"/>
                 <a:cs typeface="FreeSans" pitchFamily="2"/>
               </a:rPr>
-              <a:t>BaseX</a:t>
-            </a:r>
-            <a:r>
-              <a:rPr lang="en-GB" sz="1200" dirty="0" smtClean="0">
-                <a:latin typeface="Liberation Sans" pitchFamily="18"/>
-                <a:ea typeface="Noto Sans CJK SC Regular" pitchFamily="2"/>
-                <a:cs typeface="FreeSans" pitchFamily="2"/>
-              </a:rPr>
-              <a:t> Client</a:t>
+              <a:t>System Component</a:t>
             </a:r>
             <a:endParaRPr lang="en-GB" sz="1200" b="0" i="0" u="none" strike="noStrike" kern="1200" cap="none" dirty="0">
               <a:ln>
@@ -6513,55 +7537,467 @@
           </a:p>
         </p:txBody>
       </p:sp>
-      <p:cxnSp>
-        <p:nvCxnSpPr>
-          <p:cNvPr id="69" name="Straight Arrow Connector 68"/>
-          <p:cNvCxnSpPr>
-            <a:stCxn id="5" idx="2"/>
-            <a:endCxn id="21" idx="0"/>
-          </p:cNvCxnSpPr>
+      <p:sp>
+        <p:nvSpPr>
+          <p:cNvPr id="54" name="Freeform 53"/>
+          <p:cNvSpPr/>
           <p:nvPr/>
-        </p:nvCxnSpPr>
-        <p:spPr>
-          <a:xfrm flipH="1">
-            <a:off x="702000" y="1133773"/>
-            <a:ext cx="180000" cy="1352477"/>
-          </a:xfrm>
-          <a:prstGeom prst="straightConnector1">
+        </p:nvSpPr>
+        <p:spPr>
+          <a:xfrm>
+            <a:off x="3317247" y="190312"/>
+            <a:ext cx="1424520" cy="656280"/>
+          </a:xfrm>
+          <a:custGeom>
+            <a:avLst/>
+            <a:gdLst>
+              <a:gd name="f0" fmla="val 10800000"/>
+              <a:gd name="f1" fmla="val 5400000"/>
+              <a:gd name="f2" fmla="val 16200000"/>
+              <a:gd name="f3" fmla="val 180"/>
+              <a:gd name="f4" fmla="val w"/>
+              <a:gd name="f5" fmla="val h"/>
+              <a:gd name="f6" fmla="val 0"/>
+              <a:gd name="f7" fmla="val 21600"/>
+              <a:gd name="f8" fmla="val 3400"/>
+              <a:gd name="f9" fmla="+- 21600 0 10800"/>
+              <a:gd name="f10" fmla="+- 3400 0 0"/>
+              <a:gd name="f11" fmla="val 18200"/>
+              <a:gd name="f12" fmla="+- 0 0 10800"/>
+              <a:gd name="f13" fmla="+- 18200 0 21600"/>
+              <a:gd name="f14" fmla="+- 3400 0 6800"/>
+              <a:gd name="f15" fmla="+- 0 0 0"/>
+              <a:gd name="f16" fmla="*/ f4 1 21600"/>
+              <a:gd name="f17" fmla="*/ f5 1 21600"/>
+              <a:gd name="f18" fmla="+- 10800 0 f6"/>
+              <a:gd name="f19" fmla="+- 0 0 f8"/>
+              <a:gd name="f20" fmla="+- 0 0 f1"/>
+              <a:gd name="f21" fmla="abs f9"/>
+              <a:gd name="f22" fmla="abs f10"/>
+              <a:gd name="f23" fmla="?: f9 f2 f1"/>
+              <a:gd name="f24" fmla="?: f9 f1 f2"/>
+              <a:gd name="f25" fmla="+- 10800 0 f7"/>
+              <a:gd name="f26" fmla="+- 21600 0 f11"/>
+              <a:gd name="f27" fmla="abs f12"/>
+              <a:gd name="f28" fmla="abs f13"/>
+              <a:gd name="f29" fmla="?: f12 f2 f1"/>
+              <a:gd name="f30" fmla="?: f12 f1 f2"/>
+              <a:gd name="f31" fmla="+- 6800 0 f8"/>
+              <a:gd name="f32" fmla="abs f14"/>
+              <a:gd name="f33" fmla="*/ f15 f0 1"/>
+              <a:gd name="f34" fmla="*/ 0 f16 1"/>
+              <a:gd name="f35" fmla="*/ 21600 f16 1"/>
+              <a:gd name="f36" fmla="*/ 18200 f17 1"/>
+              <a:gd name="f37" fmla="*/ 6800 f17 1"/>
+              <a:gd name="f38" fmla="abs f18"/>
+              <a:gd name="f39" fmla="abs f19"/>
+              <a:gd name="f40" fmla="?: f18 f20 f1"/>
+              <a:gd name="f41" fmla="?: f18 f1 f20"/>
+              <a:gd name="f42" fmla="?: f19 0 f0"/>
+              <a:gd name="f43" fmla="?: f19 f0 0"/>
+              <a:gd name="f44" fmla="?: f9 f20 f1"/>
+              <a:gd name="f45" fmla="?: f9 f1 f20"/>
+              <a:gd name="f46" fmla="?: f9 f24 f23"/>
+              <a:gd name="f47" fmla="?: f9 f23 f24"/>
+              <a:gd name="f48" fmla="abs f25"/>
+              <a:gd name="f49" fmla="abs f26"/>
+              <a:gd name="f50" fmla="?: f25 f20 f1"/>
+              <a:gd name="f51" fmla="?: f25 f1 f20"/>
+              <a:gd name="f52" fmla="?: f26 0 f0"/>
+              <a:gd name="f53" fmla="?: f26 f0 0"/>
+              <a:gd name="f54" fmla="?: f12 f20 f1"/>
+              <a:gd name="f55" fmla="?: f12 f1 f20"/>
+              <a:gd name="f56" fmla="?: f12 f30 f29"/>
+              <a:gd name="f57" fmla="?: f12 f29 f30"/>
+              <a:gd name="f58" fmla="abs f31"/>
+              <a:gd name="f59" fmla="?: f31 0 f0"/>
+              <a:gd name="f60" fmla="?: f31 f0 0"/>
+              <a:gd name="f61" fmla="*/ 10800 f16 1"/>
+              <a:gd name="f62" fmla="*/ f33 1 f3"/>
+              <a:gd name="f63" fmla="*/ 0 f17 1"/>
+              <a:gd name="f64" fmla="*/ 10800 f17 1"/>
+              <a:gd name="f65" fmla="*/ 21600 f17 1"/>
+              <a:gd name="f66" fmla="?: f18 f43 f42"/>
+              <a:gd name="f67" fmla="?: f18 f42 f43"/>
+              <a:gd name="f68" fmla="?: f19 f40 f41"/>
+              <a:gd name="f69" fmla="?: f10 f47 f46"/>
+              <a:gd name="f70" fmla="?: f10 f45 f44"/>
+              <a:gd name="f71" fmla="?: f25 f53 f52"/>
+              <a:gd name="f72" fmla="?: f25 f52 f53"/>
+              <a:gd name="f73" fmla="?: f26 f50 f51"/>
+              <a:gd name="f74" fmla="?: f13 f57 f56"/>
+              <a:gd name="f75" fmla="?: f13 f55 f54"/>
+              <a:gd name="f76" fmla="?: f18 f60 f59"/>
+              <a:gd name="f77" fmla="?: f18 f59 f60"/>
+              <a:gd name="f78" fmla="?: f31 f40 f41"/>
+              <a:gd name="f79" fmla="?: f14 f47 f46"/>
+              <a:gd name="f80" fmla="?: f14 f45 f44"/>
+              <a:gd name="f81" fmla="+- f62 0 f1"/>
+              <a:gd name="f82" fmla="?: f19 f66 f67"/>
+              <a:gd name="f83" fmla="?: f26 f71 f72"/>
+              <a:gd name="f84" fmla="?: f31 f76 f77"/>
+            </a:gdLst>
+            <a:ahLst/>
+            <a:cxnLst>
+              <a:cxn ang="3cd4">
+                <a:pos x="hc" y="t"/>
+              </a:cxn>
+              <a:cxn ang="0">
+                <a:pos x="r" y="vc"/>
+              </a:cxn>
+              <a:cxn ang="cd4">
+                <a:pos x="hc" y="b"/>
+              </a:cxn>
+              <a:cxn ang="cd2">
+                <a:pos x="l" y="vc"/>
+              </a:cxn>
+              <a:cxn ang="f81">
+                <a:pos x="f61" y="f37"/>
+              </a:cxn>
+              <a:cxn ang="f81">
+                <a:pos x="f61" y="f63"/>
+              </a:cxn>
+              <a:cxn ang="f81">
+                <a:pos x="f34" y="f64"/>
+              </a:cxn>
+              <a:cxn ang="f81">
+                <a:pos x="f61" y="f65"/>
+              </a:cxn>
+              <a:cxn ang="f81">
+                <a:pos x="f35" y="f64"/>
+              </a:cxn>
+            </a:cxnLst>
+            <a:rect l="f34" t="f37" r="f35" b="f36"/>
+            <a:pathLst>
+              <a:path w="21600" h="21600">
+                <a:moveTo>
+                  <a:pt x="f6" y="f8"/>
+                </a:moveTo>
+                <a:arcTo wR="f38" hR="f39" stAng="f82" swAng="f68"/>
+                <a:arcTo wR="f21" hR="f22" stAng="f69" swAng="f70"/>
+                <a:lnTo>
+                  <a:pt x="f7" y="f11"/>
+                </a:lnTo>
+                <a:arcTo wR="f48" hR="f49" stAng="f83" swAng="f73"/>
+                <a:arcTo wR="f27" hR="f28" stAng="f74" swAng="f75"/>
+                <a:close/>
+              </a:path>
+              <a:path w="21600" h="21600">
+                <a:moveTo>
+                  <a:pt x="f6" y="f8"/>
+                </a:moveTo>
+                <a:arcTo wR="f38" hR="f58" stAng="f84" swAng="f78"/>
+                <a:arcTo wR="f21" hR="f32" stAng="f79" swAng="f80"/>
+              </a:path>
+            </a:pathLst>
+          </a:custGeom>
+          <a:solidFill>
+            <a:srgbClr val="FFFFFF"/>
+          </a:solidFill>
+          <a:ln w="0">
+            <a:solidFill>
+              <a:srgbClr val="314004"/>
+            </a:solidFill>
+            <a:prstDash val="solid"/>
+          </a:ln>
+        </p:spPr>
+        <p:txBody>
+          <a:bodyPr vert="horz" wrap="none" lIns="90000" tIns="45000" rIns="90000" bIns="45000" anchor="ctr" anchorCtr="0" compatLnSpc="0">
+            <a:noAutofit/>
+          </a:bodyPr>
+          <a:lstStyle/>
+          <a:p>
+            <a:pPr marL="0" marR="0" lvl="0" indent="0" algn="ctr" rtl="0" hangingPunct="0">
+              <a:lnSpc>
+                <a:spcPct val="100000"/>
+              </a:lnSpc>
+              <a:spcBef>
+                <a:spcPts val="0"/>
+              </a:spcBef>
+              <a:spcAft>
+                <a:spcPts val="0"/>
+              </a:spcAft>
+              <a:buNone/>
+              <a:tabLst/>
+            </a:pPr>
+            <a:r>
+              <a:rPr lang="en-GB" sz="1800" b="0" i="0" u="none" strike="noStrike" kern="1200" cap="none" dirty="0" smtClean="0">
+                <a:ln>
+                  <a:noFill/>
+                </a:ln>
+                <a:latin typeface="Liberation Sans" pitchFamily="18"/>
+                <a:ea typeface="Noto Sans CJK SC Regular" pitchFamily="2"/>
+                <a:cs typeface="FreeSans" pitchFamily="2"/>
+              </a:rPr>
+              <a:t>Database</a:t>
+            </a:r>
+            <a:endParaRPr lang="en-GB" sz="1800" b="0" i="0" u="none" strike="noStrike" kern="1200" cap="none" dirty="0">
+              <a:ln>
+                <a:noFill/>
+              </a:ln>
+              <a:latin typeface="Liberation Sans" pitchFamily="18"/>
+              <a:ea typeface="Noto Sans CJK SC Regular" pitchFamily="2"/>
+              <a:cs typeface="FreeSans" pitchFamily="2"/>
+            </a:endParaRPr>
+          </a:p>
+        </p:txBody>
+      </p:sp>
+      <p:sp>
+        <p:nvSpPr>
+          <p:cNvPr id="55" name="Rectangle 54"/>
+          <p:cNvSpPr/>
+          <p:nvPr/>
+        </p:nvSpPr>
+        <p:spPr>
+          <a:xfrm>
+            <a:off x="4971044" y="183581"/>
+            <a:ext cx="2129364" cy="663568"/>
+          </a:xfrm>
+          <a:prstGeom prst="rect">
             <a:avLst/>
           </a:prstGeom>
-          <a:ln>
-            <a:tailEnd type="triangle"/>
-          </a:ln>
+          <a:solidFill>
+            <a:schemeClr val="bg1"/>
+          </a:solidFill>
         </p:spPr>
         <p:style>
           <a:lnRef idx="2">
             <a:schemeClr val="dk1"/>
           </a:lnRef>
-          <a:fillRef idx="0">
-            <a:schemeClr val="dk1"/>
+          <a:fillRef idx="1">
+            <a:schemeClr val="lt1"/>
           </a:fillRef>
-          <a:effectRef idx="1">
+          <a:effectRef idx="0">
             <a:schemeClr val="dk1"/>
           </a:effectRef>
           <a:fontRef idx="minor">
-            <a:schemeClr val="tx1"/>
+            <a:schemeClr val="dk1"/>
           </a:fontRef>
         </p:style>
-      </p:cxnSp>
+        <p:txBody>
+          <a:bodyPr rtlCol="0" anchor="ctr"/>
+          <a:lstStyle/>
+          <a:p>
+            <a:pPr algn="ctr"/>
+            <a:endParaRPr lang="en-GB"/>
+          </a:p>
+        </p:txBody>
+      </p:sp>
+      <p:sp>
+        <p:nvSpPr>
+          <p:cNvPr id="56" name="Freeform 55"/>
+          <p:cNvSpPr/>
+          <p:nvPr/>
+        </p:nvSpPr>
+        <p:spPr>
+          <a:xfrm>
+            <a:off x="5225330" y="194321"/>
+            <a:ext cx="1620792" cy="656280"/>
+          </a:xfrm>
+          <a:custGeom>
+            <a:avLst/>
+            <a:gdLst>
+              <a:gd name="f0" fmla="val 10800000"/>
+              <a:gd name="f1" fmla="val 5400000"/>
+              <a:gd name="f2" fmla="val 16200000"/>
+              <a:gd name="f3" fmla="val 180"/>
+              <a:gd name="f4" fmla="val w"/>
+              <a:gd name="f5" fmla="val h"/>
+              <a:gd name="f6" fmla="val 0"/>
+              <a:gd name="f7" fmla="val 21600"/>
+              <a:gd name="f8" fmla="val 3400"/>
+              <a:gd name="f9" fmla="+- 21600 0 10800"/>
+              <a:gd name="f10" fmla="+- 3400 0 0"/>
+              <a:gd name="f11" fmla="val 18200"/>
+              <a:gd name="f12" fmla="+- 0 0 10800"/>
+              <a:gd name="f13" fmla="+- 18200 0 21600"/>
+              <a:gd name="f14" fmla="+- 3400 0 6800"/>
+              <a:gd name="f15" fmla="+- 0 0 0"/>
+              <a:gd name="f16" fmla="*/ f4 1 21600"/>
+              <a:gd name="f17" fmla="*/ f5 1 21600"/>
+              <a:gd name="f18" fmla="+- 10800 0 f6"/>
+              <a:gd name="f19" fmla="+- 0 0 f8"/>
+              <a:gd name="f20" fmla="+- 0 0 f1"/>
+              <a:gd name="f21" fmla="abs f9"/>
+              <a:gd name="f22" fmla="abs f10"/>
+              <a:gd name="f23" fmla="?: f9 f2 f1"/>
+              <a:gd name="f24" fmla="?: f9 f1 f2"/>
+              <a:gd name="f25" fmla="+- 10800 0 f7"/>
+              <a:gd name="f26" fmla="+- 21600 0 f11"/>
+              <a:gd name="f27" fmla="abs f12"/>
+              <a:gd name="f28" fmla="abs f13"/>
+              <a:gd name="f29" fmla="?: f12 f2 f1"/>
+              <a:gd name="f30" fmla="?: f12 f1 f2"/>
+              <a:gd name="f31" fmla="+- 6800 0 f8"/>
+              <a:gd name="f32" fmla="abs f14"/>
+              <a:gd name="f33" fmla="*/ f15 f0 1"/>
+              <a:gd name="f34" fmla="*/ 0 f16 1"/>
+              <a:gd name="f35" fmla="*/ 21600 f16 1"/>
+              <a:gd name="f36" fmla="*/ 18200 f17 1"/>
+              <a:gd name="f37" fmla="*/ 6800 f17 1"/>
+              <a:gd name="f38" fmla="abs f18"/>
+              <a:gd name="f39" fmla="abs f19"/>
+              <a:gd name="f40" fmla="?: f18 f20 f1"/>
+              <a:gd name="f41" fmla="?: f18 f1 f20"/>
+              <a:gd name="f42" fmla="?: f19 0 f0"/>
+              <a:gd name="f43" fmla="?: f19 f0 0"/>
+              <a:gd name="f44" fmla="?: f9 f20 f1"/>
+              <a:gd name="f45" fmla="?: f9 f1 f20"/>
+              <a:gd name="f46" fmla="?: f9 f24 f23"/>
+              <a:gd name="f47" fmla="?: f9 f23 f24"/>
+              <a:gd name="f48" fmla="abs f25"/>
+              <a:gd name="f49" fmla="abs f26"/>
+              <a:gd name="f50" fmla="?: f25 f20 f1"/>
+              <a:gd name="f51" fmla="?: f25 f1 f20"/>
+              <a:gd name="f52" fmla="?: f26 0 f0"/>
+              <a:gd name="f53" fmla="?: f26 f0 0"/>
+              <a:gd name="f54" fmla="?: f12 f20 f1"/>
+              <a:gd name="f55" fmla="?: f12 f1 f20"/>
+              <a:gd name="f56" fmla="?: f12 f30 f29"/>
+              <a:gd name="f57" fmla="?: f12 f29 f30"/>
+              <a:gd name="f58" fmla="abs f31"/>
+              <a:gd name="f59" fmla="?: f31 0 f0"/>
+              <a:gd name="f60" fmla="?: f31 f0 0"/>
+              <a:gd name="f61" fmla="*/ 10800 f16 1"/>
+              <a:gd name="f62" fmla="*/ f33 1 f3"/>
+              <a:gd name="f63" fmla="*/ 0 f17 1"/>
+              <a:gd name="f64" fmla="*/ 10800 f17 1"/>
+              <a:gd name="f65" fmla="*/ 21600 f17 1"/>
+              <a:gd name="f66" fmla="?: f18 f43 f42"/>
+              <a:gd name="f67" fmla="?: f18 f42 f43"/>
+              <a:gd name="f68" fmla="?: f19 f40 f41"/>
+              <a:gd name="f69" fmla="?: f10 f47 f46"/>
+              <a:gd name="f70" fmla="?: f10 f45 f44"/>
+              <a:gd name="f71" fmla="?: f25 f53 f52"/>
+              <a:gd name="f72" fmla="?: f25 f52 f53"/>
+              <a:gd name="f73" fmla="?: f26 f50 f51"/>
+              <a:gd name="f74" fmla="?: f13 f57 f56"/>
+              <a:gd name="f75" fmla="?: f13 f55 f54"/>
+              <a:gd name="f76" fmla="?: f18 f60 f59"/>
+              <a:gd name="f77" fmla="?: f18 f59 f60"/>
+              <a:gd name="f78" fmla="?: f31 f40 f41"/>
+              <a:gd name="f79" fmla="?: f14 f47 f46"/>
+              <a:gd name="f80" fmla="?: f14 f45 f44"/>
+              <a:gd name="f81" fmla="+- f62 0 f1"/>
+              <a:gd name="f82" fmla="?: f19 f66 f67"/>
+              <a:gd name="f83" fmla="?: f26 f71 f72"/>
+              <a:gd name="f84" fmla="?: f31 f76 f77"/>
+            </a:gdLst>
+            <a:ahLst/>
+            <a:cxnLst>
+              <a:cxn ang="3cd4">
+                <a:pos x="hc" y="t"/>
+              </a:cxn>
+              <a:cxn ang="0">
+                <a:pos x="r" y="vc"/>
+              </a:cxn>
+              <a:cxn ang="cd4">
+                <a:pos x="hc" y="b"/>
+              </a:cxn>
+              <a:cxn ang="cd2">
+                <a:pos x="l" y="vc"/>
+              </a:cxn>
+              <a:cxn ang="f81">
+                <a:pos x="f61" y="f37"/>
+              </a:cxn>
+              <a:cxn ang="f81">
+                <a:pos x="f61" y="f63"/>
+              </a:cxn>
+              <a:cxn ang="f81">
+                <a:pos x="f34" y="f64"/>
+              </a:cxn>
+              <a:cxn ang="f81">
+                <a:pos x="f61" y="f65"/>
+              </a:cxn>
+              <a:cxn ang="f81">
+                <a:pos x="f35" y="f64"/>
+              </a:cxn>
+            </a:cxnLst>
+            <a:rect l="f34" t="f37" r="f35" b="f36"/>
+            <a:pathLst>
+              <a:path w="21600" h="21600">
+                <a:moveTo>
+                  <a:pt x="f6" y="f8"/>
+                </a:moveTo>
+                <a:arcTo wR="f38" hR="f39" stAng="f82" swAng="f68"/>
+                <a:arcTo wR="f21" hR="f22" stAng="f69" swAng="f70"/>
+                <a:lnTo>
+                  <a:pt x="f7" y="f11"/>
+                </a:lnTo>
+                <a:arcTo wR="f48" hR="f49" stAng="f83" swAng="f73"/>
+                <a:arcTo wR="f27" hR="f28" stAng="f74" swAng="f75"/>
+                <a:close/>
+              </a:path>
+              <a:path w="21600" h="21600">
+                <a:moveTo>
+                  <a:pt x="f6" y="f8"/>
+                </a:moveTo>
+                <a:arcTo wR="f38" hR="f58" stAng="f84" swAng="f78"/>
+                <a:arcTo wR="f21" hR="f32" stAng="f79" swAng="f80"/>
+              </a:path>
+            </a:pathLst>
+          </a:custGeom>
+          <a:solidFill>
+            <a:srgbClr val="FFFFFF"/>
+          </a:solidFill>
+          <a:ln w="0">
+            <a:solidFill>
+              <a:srgbClr val="314004"/>
+            </a:solidFill>
+            <a:prstDash val="solid"/>
+          </a:ln>
+        </p:spPr>
+        <p:txBody>
+          <a:bodyPr vert="horz" wrap="none" lIns="90000" tIns="45000" rIns="90000" bIns="45000" anchor="ctr" anchorCtr="0" compatLnSpc="0">
+            <a:noAutofit/>
+          </a:bodyPr>
+          <a:lstStyle/>
+          <a:p>
+            <a:pPr marL="0" marR="0" lvl="0" indent="0" algn="ctr" rtl="0" hangingPunct="0">
+              <a:lnSpc>
+                <a:spcPct val="100000"/>
+              </a:lnSpc>
+              <a:spcBef>
+                <a:spcPts val="0"/>
+              </a:spcBef>
+              <a:spcAft>
+                <a:spcPts val="0"/>
+              </a:spcAft>
+              <a:buNone/>
+              <a:tabLst/>
+            </a:pPr>
+            <a:r>
+              <a:rPr lang="en-GB" sz="1800" b="0" i="0" u="none" strike="noStrike" kern="1200" cap="none" dirty="0" smtClean="0">
+                <a:ln>
+                  <a:noFill/>
+                </a:ln>
+                <a:latin typeface="Liberation Sans" pitchFamily="18"/>
+                <a:ea typeface="Noto Sans CJK SC Regular" pitchFamily="2"/>
+                <a:cs typeface="FreeSans" pitchFamily="2"/>
+              </a:rPr>
+              <a:t>External System</a:t>
+            </a:r>
+            <a:endParaRPr lang="en-GB" sz="1800" b="0" i="0" u="none" strike="noStrike" kern="1200" cap="none" dirty="0">
+              <a:ln>
+                <a:noFill/>
+              </a:ln>
+              <a:latin typeface="Liberation Sans" pitchFamily="18"/>
+              <a:ea typeface="Noto Sans CJK SC Regular" pitchFamily="2"/>
+              <a:cs typeface="FreeSans" pitchFamily="2"/>
+            </a:endParaRPr>
+          </a:p>
+        </p:txBody>
+      </p:sp>
       <p:cxnSp>
         <p:nvCxnSpPr>
-          <p:cNvPr id="71" name="Straight Arrow Connector 70"/>
-          <p:cNvCxnSpPr>
-            <a:stCxn id="6" idx="2"/>
-            <a:endCxn id="15" idx="0"/>
-          </p:cNvCxnSpPr>
+          <p:cNvPr id="57" name="Straight Arrow Connector 56"/>
+          <p:cNvCxnSpPr/>
           <p:nvPr/>
         </p:nvCxnSpPr>
         <p:spPr>
           <a:xfrm>
-            <a:off x="2398928" y="1133773"/>
-            <a:ext cx="1651072" cy="1345574"/>
+            <a:off x="2751425" y="1190209"/>
+            <a:ext cx="370986" cy="0"/>
           </a:xfrm>
           <a:prstGeom prst="straightConnector1">
             <a:avLst/>
@@ -6585,664 +8021,118 @@
           </a:fontRef>
         </p:style>
       </p:cxnSp>
-      <p:cxnSp>
-        <p:nvCxnSpPr>
-          <p:cNvPr id="75" name="Straight Arrow Connector 74"/>
-          <p:cNvCxnSpPr>
-            <a:stCxn id="6" idx="2"/>
-            <a:endCxn id="32" idx="0"/>
-          </p:cNvCxnSpPr>
+      <p:sp>
+        <p:nvSpPr>
+          <p:cNvPr id="24" name="TextBox 23"/>
+          <p:cNvSpPr txBox="1"/>
           <p:nvPr/>
-        </p:nvCxnSpPr>
-        <p:spPr>
-          <a:xfrm flipH="1">
-            <a:off x="2376000" y="1133773"/>
-            <a:ext cx="22928" cy="1352477"/>
-          </a:xfrm>
-          <a:prstGeom prst="straightConnector1">
+        </p:nvSpPr>
+        <p:spPr>
+          <a:xfrm>
+            <a:off x="1675061" y="1010032"/>
+            <a:ext cx="1051561" cy="307777"/>
+          </a:xfrm>
+          <a:prstGeom prst="rect">
             <a:avLst/>
           </a:prstGeom>
-          <a:ln>
-            <a:tailEnd type="triangle"/>
-          </a:ln>
-        </p:spPr>
-        <p:style>
-          <a:lnRef idx="1">
-            <a:schemeClr val="dk1"/>
-          </a:lnRef>
-          <a:fillRef idx="0">
-            <a:schemeClr val="dk1"/>
-          </a:fillRef>
-          <a:effectRef idx="0">
-            <a:schemeClr val="dk1"/>
-          </a:effectRef>
-          <a:fontRef idx="minor">
-            <a:schemeClr val="tx1"/>
-          </a:fontRef>
-        </p:style>
-      </p:cxnSp>
-      <p:cxnSp>
-        <p:nvCxnSpPr>
-          <p:cNvPr id="77" name="Straight Arrow Connector 76"/>
-          <p:cNvCxnSpPr>
-            <a:stCxn id="7" idx="2"/>
-            <a:endCxn id="17" idx="0"/>
-          </p:cNvCxnSpPr>
+          <a:noFill/>
+        </p:spPr>
+        <p:txBody>
+          <a:bodyPr wrap="square" rtlCol="0">
+            <a:spAutoFit/>
+          </a:bodyPr>
+          <a:lstStyle/>
+          <a:p>
+            <a:r>
+              <a:rPr lang="en-GB" sz="1400" dirty="0" smtClean="0">
+                <a:latin typeface="Liberation Sans"/>
+              </a:rPr>
+              <a:t>Depend on:</a:t>
+            </a:r>
+            <a:endParaRPr lang="en-GB" sz="1400" dirty="0">
+              <a:latin typeface="Liberation Sans"/>
+            </a:endParaRPr>
+          </a:p>
+        </p:txBody>
+      </p:sp>
+      <p:sp>
+        <p:nvSpPr>
+          <p:cNvPr id="25" name="TextBox 24"/>
+          <p:cNvSpPr txBox="1"/>
           <p:nvPr/>
-        </p:nvCxnSpPr>
+        </p:nvSpPr>
         <p:spPr>
           <a:xfrm>
-            <a:off x="5540784" y="1133773"/>
-            <a:ext cx="93216" cy="1352477"/>
-          </a:xfrm>
-          <a:prstGeom prst="straightConnector1">
+            <a:off x="56073" y="218857"/>
+            <a:ext cx="2315475" cy="369332"/>
+          </a:xfrm>
+          <a:prstGeom prst="rect">
             <a:avLst/>
           </a:prstGeom>
-          <a:ln>
-            <a:tailEnd type="triangle"/>
-          </a:ln>
-        </p:spPr>
-        <p:style>
-          <a:lnRef idx="2">
-            <a:schemeClr val="dk1"/>
-          </a:lnRef>
-          <a:fillRef idx="0">
-            <a:schemeClr val="dk1"/>
-          </a:fillRef>
-          <a:effectRef idx="1">
-            <a:schemeClr val="dk1"/>
-          </a:effectRef>
-          <a:fontRef idx="minor">
-            <a:schemeClr val="tx1"/>
-          </a:fontRef>
-        </p:style>
-      </p:cxnSp>
-      <p:cxnSp>
-        <p:nvCxnSpPr>
-          <p:cNvPr id="79" name="Straight Arrow Connector 78"/>
-          <p:cNvCxnSpPr>
-            <a:stCxn id="8" idx="2"/>
-            <a:endCxn id="18" idx="0"/>
-          </p:cNvCxnSpPr>
+          <a:noFill/>
+        </p:spPr>
+        <p:txBody>
+          <a:bodyPr wrap="square" rtlCol="0">
+            <a:spAutoFit/>
+          </a:bodyPr>
+          <a:lstStyle/>
+          <a:p>
+            <a:r>
+              <a:rPr lang="en-GB" dirty="0" smtClean="0">
+                <a:latin typeface="Liberation Sans"/>
+              </a:rPr>
+              <a:t>Components:</a:t>
+            </a:r>
+            <a:endParaRPr lang="en-GB" dirty="0">
+              <a:latin typeface="Liberation Sans"/>
+            </a:endParaRPr>
+          </a:p>
+        </p:txBody>
+      </p:sp>
+      <p:sp>
+        <p:nvSpPr>
+          <p:cNvPr id="67" name="TextBox 66"/>
+          <p:cNvSpPr txBox="1"/>
           <p:nvPr/>
-        </p:nvCxnSpPr>
-        <p:spPr>
-          <a:xfrm flipH="1">
-            <a:off x="7218000" y="1133773"/>
-            <a:ext cx="1711" cy="1342274"/>
-          </a:xfrm>
-          <a:prstGeom prst="straightConnector1">
+        </p:nvSpPr>
+        <p:spPr>
+          <a:xfrm>
+            <a:off x="56073" y="1033729"/>
+            <a:ext cx="1437209" cy="369332"/>
+          </a:xfrm>
+          <a:prstGeom prst="rect">
             <a:avLst/>
           </a:prstGeom>
-          <a:ln>
-            <a:tailEnd type="triangle"/>
-          </a:ln>
-        </p:spPr>
-        <p:style>
-          <a:lnRef idx="1">
-            <a:schemeClr val="dk1"/>
-          </a:lnRef>
-          <a:fillRef idx="0">
-            <a:schemeClr val="dk1"/>
-          </a:fillRef>
-          <a:effectRef idx="0">
-            <a:schemeClr val="dk1"/>
-          </a:effectRef>
-          <a:fontRef idx="minor">
-            <a:schemeClr val="tx1"/>
-          </a:fontRef>
-        </p:style>
-      </p:cxnSp>
-      <p:cxnSp>
-        <p:nvCxnSpPr>
-          <p:cNvPr id="81" name="Straight Arrow Connector 80"/>
-          <p:cNvCxnSpPr>
-            <a:stCxn id="21" idx="2"/>
-            <a:endCxn id="30" idx="0"/>
-          </p:cNvCxnSpPr>
-          <p:nvPr/>
-        </p:nvCxnSpPr>
-        <p:spPr>
-          <a:xfrm>
-            <a:off x="702000" y="2918250"/>
-            <a:ext cx="0" cy="2016900"/>
-          </a:xfrm>
-          <a:prstGeom prst="straightConnector1">
-            <a:avLst/>
-          </a:prstGeom>
-          <a:ln>
-            <a:tailEnd type="triangle"/>
-          </a:ln>
-        </p:spPr>
-        <p:style>
-          <a:lnRef idx="1">
-            <a:schemeClr val="dk1"/>
-          </a:lnRef>
-          <a:fillRef idx="0">
-            <a:schemeClr val="dk1"/>
-          </a:fillRef>
-          <a:effectRef idx="0">
-            <a:schemeClr val="dk1"/>
-          </a:effectRef>
-          <a:fontRef idx="minor">
-            <a:schemeClr val="tx1"/>
-          </a:fontRef>
-        </p:style>
-      </p:cxnSp>
-      <p:cxnSp>
-        <p:nvCxnSpPr>
-          <p:cNvPr id="84" name="Straight Arrow Connector 83"/>
-          <p:cNvCxnSpPr>
-            <a:stCxn id="15" idx="2"/>
-            <a:endCxn id="28" idx="0"/>
-          </p:cNvCxnSpPr>
-          <p:nvPr/>
-        </p:nvCxnSpPr>
-        <p:spPr>
-          <a:xfrm flipH="1">
-            <a:off x="2006568" y="2911347"/>
-            <a:ext cx="2043432" cy="2023803"/>
-          </a:xfrm>
-          <a:prstGeom prst="straightConnector1">
-            <a:avLst/>
-          </a:prstGeom>
-          <a:ln>
-            <a:tailEnd type="triangle"/>
-          </a:ln>
-        </p:spPr>
-        <p:style>
-          <a:lnRef idx="1">
-            <a:schemeClr val="dk1"/>
-          </a:lnRef>
-          <a:fillRef idx="0">
-            <a:schemeClr val="dk1"/>
-          </a:fillRef>
-          <a:effectRef idx="0">
-            <a:schemeClr val="dk1"/>
-          </a:effectRef>
-          <a:fontRef idx="minor">
-            <a:schemeClr val="tx1"/>
-          </a:fontRef>
-        </p:style>
-      </p:cxnSp>
-      <p:cxnSp>
-        <p:nvCxnSpPr>
-          <p:cNvPr id="86" name="Straight Arrow Connector 85"/>
-          <p:cNvCxnSpPr>
-            <a:stCxn id="15" idx="2"/>
-            <a:endCxn id="29" idx="0"/>
-          </p:cNvCxnSpPr>
-          <p:nvPr/>
-        </p:nvCxnSpPr>
-        <p:spPr>
-          <a:xfrm>
-            <a:off x="4050000" y="2911347"/>
-            <a:ext cx="2446272" cy="2023803"/>
-          </a:xfrm>
-          <a:prstGeom prst="straightConnector1">
-            <a:avLst/>
-          </a:prstGeom>
-          <a:ln>
-            <a:tailEnd type="triangle"/>
-          </a:ln>
-        </p:spPr>
-        <p:style>
-          <a:lnRef idx="1">
-            <a:schemeClr val="dk1"/>
-          </a:lnRef>
-          <a:fillRef idx="0">
-            <a:schemeClr val="dk1"/>
-          </a:fillRef>
-          <a:effectRef idx="0">
-            <a:schemeClr val="dk1"/>
-          </a:effectRef>
-          <a:fontRef idx="minor">
-            <a:schemeClr val="tx1"/>
-          </a:fontRef>
-        </p:style>
-      </p:cxnSp>
-      <p:cxnSp>
-        <p:nvCxnSpPr>
-          <p:cNvPr id="88" name="Straight Arrow Connector 87"/>
-          <p:cNvCxnSpPr>
-            <a:stCxn id="15" idx="2"/>
-            <a:endCxn id="31" idx="0"/>
-          </p:cNvCxnSpPr>
-          <p:nvPr/>
-        </p:nvCxnSpPr>
-        <p:spPr>
-          <a:xfrm flipH="1">
-            <a:off x="3509136" y="2911347"/>
-            <a:ext cx="540864" cy="2023803"/>
-          </a:xfrm>
-          <a:prstGeom prst="straightConnector1">
-            <a:avLst/>
-          </a:prstGeom>
-          <a:ln>
-            <a:tailEnd type="triangle"/>
-          </a:ln>
-        </p:spPr>
-        <p:style>
-          <a:lnRef idx="1">
-            <a:schemeClr val="dk1"/>
-          </a:lnRef>
-          <a:fillRef idx="0">
-            <a:schemeClr val="dk1"/>
-          </a:fillRef>
-          <a:effectRef idx="0">
-            <a:schemeClr val="dk1"/>
-          </a:effectRef>
-          <a:fontRef idx="minor">
-            <a:schemeClr val="tx1"/>
-          </a:fontRef>
-        </p:style>
-      </p:cxnSp>
-      <p:cxnSp>
-        <p:nvCxnSpPr>
-          <p:cNvPr id="90" name="Straight Arrow Connector 89"/>
-          <p:cNvCxnSpPr>
-            <a:stCxn id="32" idx="2"/>
-            <a:endCxn id="28" idx="0"/>
-          </p:cNvCxnSpPr>
-          <p:nvPr/>
-        </p:nvCxnSpPr>
-        <p:spPr>
-          <a:xfrm flipH="1">
-            <a:off x="2006568" y="2918250"/>
-            <a:ext cx="369432" cy="2016900"/>
-          </a:xfrm>
-          <a:prstGeom prst="straightConnector1">
-            <a:avLst/>
-          </a:prstGeom>
-          <a:ln>
-            <a:tailEnd type="triangle"/>
-          </a:ln>
-        </p:spPr>
-        <p:style>
-          <a:lnRef idx="1">
-            <a:schemeClr val="dk1"/>
-          </a:lnRef>
-          <a:fillRef idx="0">
-            <a:schemeClr val="dk1"/>
-          </a:fillRef>
-          <a:effectRef idx="0">
-            <a:schemeClr val="dk1"/>
-          </a:effectRef>
-          <a:fontRef idx="minor">
-            <a:schemeClr val="tx1"/>
-          </a:fontRef>
-        </p:style>
-      </p:cxnSp>
-      <p:cxnSp>
-        <p:nvCxnSpPr>
-          <p:cNvPr id="92" name="Straight Arrow Connector 91"/>
-          <p:cNvCxnSpPr>
-            <a:stCxn id="32" idx="2"/>
-            <a:endCxn id="64" idx="0"/>
-          </p:cNvCxnSpPr>
-          <p:nvPr/>
-        </p:nvCxnSpPr>
-        <p:spPr>
-          <a:xfrm>
-            <a:off x="2376000" y="2918250"/>
-            <a:ext cx="2617704" cy="2016900"/>
-          </a:xfrm>
-          <a:prstGeom prst="straightConnector1">
-            <a:avLst/>
-          </a:prstGeom>
-          <a:ln>
-            <a:tailEnd type="triangle"/>
-          </a:ln>
-        </p:spPr>
-        <p:style>
-          <a:lnRef idx="1">
-            <a:schemeClr val="dk1"/>
-          </a:lnRef>
-          <a:fillRef idx="0">
-            <a:schemeClr val="dk1"/>
-          </a:fillRef>
-          <a:effectRef idx="0">
-            <a:schemeClr val="dk1"/>
-          </a:effectRef>
-          <a:fontRef idx="minor">
-            <a:schemeClr val="tx1"/>
-          </a:fontRef>
-        </p:style>
-      </p:cxnSp>
-      <p:cxnSp>
-        <p:nvCxnSpPr>
-          <p:cNvPr id="94" name="Straight Arrow Connector 93"/>
-          <p:cNvCxnSpPr>
-            <a:stCxn id="17" idx="2"/>
-            <a:endCxn id="29" idx="0"/>
-          </p:cNvCxnSpPr>
-          <p:nvPr/>
-        </p:nvCxnSpPr>
-        <p:spPr>
-          <a:xfrm>
-            <a:off x="5634000" y="2918250"/>
-            <a:ext cx="862272" cy="2016900"/>
-          </a:xfrm>
-          <a:prstGeom prst="straightConnector1">
-            <a:avLst/>
-          </a:prstGeom>
-          <a:ln>
-            <a:tailEnd type="triangle"/>
-          </a:ln>
-        </p:spPr>
-        <p:style>
-          <a:lnRef idx="1">
-            <a:schemeClr val="dk1"/>
-          </a:lnRef>
-          <a:fillRef idx="0">
-            <a:schemeClr val="dk1"/>
-          </a:fillRef>
-          <a:effectRef idx="0">
-            <a:schemeClr val="dk1"/>
-          </a:effectRef>
-          <a:fontRef idx="minor">
-            <a:schemeClr val="tx1"/>
-          </a:fontRef>
-        </p:style>
-      </p:cxnSp>
-      <p:cxnSp>
-        <p:nvCxnSpPr>
-          <p:cNvPr id="116" name="Straight Arrow Connector 115"/>
-          <p:cNvCxnSpPr>
-            <a:stCxn id="18" idx="2"/>
-            <a:endCxn id="66" idx="0"/>
-          </p:cNvCxnSpPr>
-          <p:nvPr/>
-        </p:nvCxnSpPr>
-        <p:spPr>
-          <a:xfrm>
-            <a:off x="7218000" y="2908047"/>
-            <a:ext cx="780841" cy="2027103"/>
-          </a:xfrm>
-          <a:prstGeom prst="straightConnector1">
-            <a:avLst/>
-          </a:prstGeom>
-          <a:ln>
-            <a:tailEnd type="triangle"/>
-          </a:ln>
-        </p:spPr>
-        <p:style>
-          <a:lnRef idx="1">
-            <a:schemeClr val="dk1"/>
-          </a:lnRef>
-          <a:fillRef idx="0">
-            <a:schemeClr val="dk1"/>
-          </a:fillRef>
-          <a:effectRef idx="0">
-            <a:schemeClr val="dk1"/>
-          </a:effectRef>
-          <a:fontRef idx="minor">
-            <a:schemeClr val="tx1"/>
-          </a:fontRef>
-        </p:style>
-      </p:cxnSp>
-      <p:cxnSp>
-        <p:nvCxnSpPr>
-          <p:cNvPr id="120" name="Straight Arrow Connector 119"/>
-          <p:cNvCxnSpPr>
-            <a:stCxn id="30" idx="2"/>
-            <a:endCxn id="46" idx="0"/>
-          </p:cNvCxnSpPr>
-          <p:nvPr/>
-        </p:nvCxnSpPr>
-        <p:spPr>
-          <a:xfrm>
-            <a:off x="702000" y="5367150"/>
-            <a:ext cx="1696928" cy="1040849"/>
-          </a:xfrm>
-          <a:prstGeom prst="straightConnector1">
-            <a:avLst/>
-          </a:prstGeom>
-          <a:ln>
-            <a:tailEnd type="triangle"/>
-          </a:ln>
-        </p:spPr>
-        <p:style>
-          <a:lnRef idx="1">
-            <a:schemeClr val="dk1"/>
-          </a:lnRef>
-          <a:fillRef idx="0">
-            <a:schemeClr val="dk1"/>
-          </a:fillRef>
-          <a:effectRef idx="0">
-            <a:schemeClr val="dk1"/>
-          </a:effectRef>
-          <a:fontRef idx="minor">
-            <a:schemeClr val="tx1"/>
-          </a:fontRef>
-        </p:style>
-      </p:cxnSp>
-      <p:cxnSp>
-        <p:nvCxnSpPr>
-          <p:cNvPr id="122" name="Straight Arrow Connector 121"/>
-          <p:cNvCxnSpPr>
-            <a:stCxn id="28" idx="2"/>
-            <a:endCxn id="46" idx="0"/>
-          </p:cNvCxnSpPr>
-          <p:nvPr/>
-        </p:nvCxnSpPr>
-        <p:spPr>
-          <a:xfrm>
-            <a:off x="2006568" y="5367150"/>
-            <a:ext cx="392360" cy="1040849"/>
-          </a:xfrm>
-          <a:prstGeom prst="straightConnector1">
-            <a:avLst/>
-          </a:prstGeom>
-          <a:ln>
-            <a:tailEnd type="triangle"/>
-          </a:ln>
-        </p:spPr>
-        <p:style>
-          <a:lnRef idx="1">
-            <a:schemeClr val="dk1"/>
-          </a:lnRef>
-          <a:fillRef idx="0">
-            <a:schemeClr val="dk1"/>
-          </a:fillRef>
-          <a:effectRef idx="0">
-            <a:schemeClr val="dk1"/>
-          </a:effectRef>
-          <a:fontRef idx="minor">
-            <a:schemeClr val="tx1"/>
-          </a:fontRef>
-        </p:style>
-      </p:cxnSp>
-      <p:cxnSp>
-        <p:nvCxnSpPr>
-          <p:cNvPr id="124" name="Straight Arrow Connector 123"/>
-          <p:cNvCxnSpPr>
-            <a:stCxn id="31" idx="2"/>
-            <a:endCxn id="46" idx="0"/>
-          </p:cNvCxnSpPr>
-          <p:nvPr/>
-        </p:nvCxnSpPr>
-        <p:spPr>
-          <a:xfrm flipH="1">
-            <a:off x="2398928" y="5367150"/>
-            <a:ext cx="1110208" cy="1040849"/>
-          </a:xfrm>
-          <a:prstGeom prst="straightConnector1">
-            <a:avLst/>
-          </a:prstGeom>
-          <a:ln>
-            <a:tailEnd type="triangle"/>
-          </a:ln>
-        </p:spPr>
-        <p:style>
-          <a:lnRef idx="1">
-            <a:schemeClr val="dk1"/>
-          </a:lnRef>
-          <a:fillRef idx="0">
-            <a:schemeClr val="dk1"/>
-          </a:fillRef>
-          <a:effectRef idx="0">
-            <a:schemeClr val="dk1"/>
-          </a:effectRef>
-          <a:fontRef idx="minor">
-            <a:schemeClr val="tx1"/>
-          </a:fontRef>
-        </p:style>
-      </p:cxnSp>
-      <p:cxnSp>
-        <p:nvCxnSpPr>
-          <p:cNvPr id="126" name="Straight Arrow Connector 125"/>
-          <p:cNvCxnSpPr>
-            <a:stCxn id="64" idx="2"/>
-            <a:endCxn id="46" idx="0"/>
-          </p:cNvCxnSpPr>
-          <p:nvPr/>
-        </p:nvCxnSpPr>
-        <p:spPr>
-          <a:xfrm flipH="1">
-            <a:off x="2398928" y="5367150"/>
-            <a:ext cx="2594776" cy="1040849"/>
-          </a:xfrm>
-          <a:prstGeom prst="straightConnector1">
-            <a:avLst/>
-          </a:prstGeom>
-          <a:ln>
-            <a:tailEnd type="triangle"/>
-          </a:ln>
-        </p:spPr>
-        <p:style>
-          <a:lnRef idx="1">
-            <a:schemeClr val="dk1"/>
-          </a:lnRef>
-          <a:fillRef idx="0">
-            <a:schemeClr val="dk1"/>
-          </a:fillRef>
-          <a:effectRef idx="0">
-            <a:schemeClr val="dk1"/>
-          </a:effectRef>
-          <a:fontRef idx="minor">
-            <a:schemeClr val="tx1"/>
-          </a:fontRef>
-        </p:style>
-      </p:cxnSp>
-      <p:cxnSp>
-        <p:nvCxnSpPr>
-          <p:cNvPr id="128" name="Straight Arrow Connector 127"/>
-          <p:cNvCxnSpPr>
-            <a:stCxn id="29" idx="2"/>
-            <a:endCxn id="46" idx="0"/>
-          </p:cNvCxnSpPr>
-          <p:nvPr/>
-        </p:nvCxnSpPr>
-        <p:spPr>
-          <a:xfrm flipH="1">
-            <a:off x="2398928" y="5367150"/>
-            <a:ext cx="4097344" cy="1040849"/>
-          </a:xfrm>
-          <a:prstGeom prst="straightConnector1">
-            <a:avLst/>
-          </a:prstGeom>
-          <a:ln>
-            <a:tailEnd type="triangle"/>
-          </a:ln>
-        </p:spPr>
-        <p:style>
-          <a:lnRef idx="1">
-            <a:schemeClr val="dk1"/>
-          </a:lnRef>
-          <a:fillRef idx="0">
-            <a:schemeClr val="dk1"/>
-          </a:fillRef>
-          <a:effectRef idx="0">
-            <a:schemeClr val="dk1"/>
-          </a:effectRef>
-          <a:fontRef idx="minor">
-            <a:schemeClr val="tx1"/>
-          </a:fontRef>
-        </p:style>
-      </p:cxnSp>
-      <p:cxnSp>
-        <p:nvCxnSpPr>
-          <p:cNvPr id="130" name="Straight Arrow Connector 129"/>
-          <p:cNvCxnSpPr>
-            <a:stCxn id="29" idx="2"/>
-            <a:endCxn id="47" idx="0"/>
-          </p:cNvCxnSpPr>
-          <p:nvPr/>
-        </p:nvCxnSpPr>
-        <p:spPr>
-          <a:xfrm flipH="1">
-            <a:off x="5198884" y="5367150"/>
-            <a:ext cx="1297388" cy="1040849"/>
-          </a:xfrm>
-          <a:prstGeom prst="straightConnector1">
-            <a:avLst/>
-          </a:prstGeom>
-          <a:ln>
-            <a:tailEnd type="triangle"/>
-          </a:ln>
-        </p:spPr>
-        <p:style>
-          <a:lnRef idx="1">
-            <a:schemeClr val="dk1"/>
-          </a:lnRef>
-          <a:fillRef idx="0">
-            <a:schemeClr val="dk1"/>
-          </a:fillRef>
-          <a:effectRef idx="0">
-            <a:schemeClr val="dk1"/>
-          </a:effectRef>
-          <a:fontRef idx="minor">
-            <a:schemeClr val="tx1"/>
-          </a:fontRef>
-        </p:style>
-      </p:cxnSp>
-      <p:cxnSp>
-        <p:nvCxnSpPr>
-          <p:cNvPr id="132" name="Straight Arrow Connector 131"/>
-          <p:cNvCxnSpPr>
-            <a:stCxn id="66" idx="2"/>
-            <a:endCxn id="65" idx="0"/>
-          </p:cNvCxnSpPr>
-          <p:nvPr/>
-        </p:nvCxnSpPr>
-        <p:spPr>
-          <a:xfrm>
-            <a:off x="7998841" y="5367150"/>
-            <a:ext cx="0" cy="1033561"/>
-          </a:xfrm>
-          <a:prstGeom prst="straightConnector1">
-            <a:avLst/>
-          </a:prstGeom>
-          <a:ln>
-            <a:tailEnd type="triangle"/>
-          </a:ln>
-        </p:spPr>
-        <p:style>
-          <a:lnRef idx="1">
-            <a:schemeClr val="dk1"/>
-          </a:lnRef>
-          <a:fillRef idx="0">
-            <a:schemeClr val="dk1"/>
-          </a:fillRef>
-          <a:effectRef idx="0">
-            <a:schemeClr val="dk1"/>
-          </a:effectRef>
-          <a:fontRef idx="minor">
-            <a:schemeClr val="tx1"/>
-          </a:fontRef>
-        </p:style>
-      </p:cxnSp>
+          <a:noFill/>
+        </p:spPr>
+        <p:txBody>
+          <a:bodyPr wrap="square" rtlCol="0">
+            <a:spAutoFit/>
+          </a:bodyPr>
+          <a:lstStyle/>
+          <a:p>
+            <a:r>
+              <a:rPr lang="en-GB" dirty="0" smtClean="0">
+                <a:latin typeface="Liberation Sans"/>
+              </a:rPr>
+              <a:t>Connectors:</a:t>
+            </a:r>
+            <a:endParaRPr lang="en-GB" dirty="0">
+              <a:latin typeface="Liberation Sans"/>
+            </a:endParaRPr>
+          </a:p>
+        </p:txBody>
+      </p:sp>
     </p:spTree>
   </p:cSld>
   <p:clrMapOvr>
     <a:masterClrMapping/>
   </p:clrMapOvr>
-  <mc:AlternateContent xmlns:mc="http://schemas.openxmlformats.org/markup-compatibility/2006">
-    <mc:Choice xmlns:p14="http://schemas.microsoft.com/office/powerpoint/2010/main" Requires="p14">
+  <mc:AlternateContent xmlns:mc="http://schemas.openxmlformats.org/markup-compatibility/2006" xmlns:p14="http://schemas.microsoft.com/office/powerpoint/2010/main">
+    <mc:Choice Requires="p14">
       <p:transition spd="slow" p14:dur="2000"/>
     </mc:Choice>
-    <mc:Fallback>
+    <mc:Fallback xmlns="">
       <p:transition spd="slow"/>
     </mc:Fallback>
   </mc:AlternateContent>
